--- a/ad_hoc req deliverables/Presentation1.pptx
+++ b/ad_hoc req deliverables/Presentation1.pptx
@@ -7,6 +7,11 @@
   <p:sldIdLst>
     <p:sldId id="256" r:id="rId2"/>
     <p:sldId id="257" r:id="rId3"/>
+    <p:sldId id="258" r:id="rId4"/>
+    <p:sldId id="259" r:id="rId5"/>
+    <p:sldId id="260" r:id="rId6"/>
+    <p:sldId id="261" r:id="rId7"/>
+    <p:sldId id="262" r:id="rId8"/>
   </p:sldIdLst>
   <p:sldSz cx="12192000" cy="6858000"/>
   <p:notesSz cx="6858000" cy="9144000"/>
@@ -116,13 +121,283 @@
 <file path=ppt/revisionInfo.xml><?xml version="1.0" encoding="utf-8"?>
 <p1510:revInfo xmlns:a="http://schemas.openxmlformats.org/drawingml/2006/main" xmlns:r="http://schemas.openxmlformats.org/officeDocument/2006/relationships" xmlns:p1510="http://schemas.microsoft.com/office/powerpoint/2015/10/main">
   <p1510:revLst>
+    <p1510:client id="{2C7282B0-FEE9-4DE9-A5E6-66D83CE9E9EC}" v="608" dt="2023-02-12T07:56:19.577"/>
+    <p1510:client id="{835A146D-A820-493C-A400-A7A115972E2F}" v="222" dt="2023-02-11T07:53:16.751"/>
     <p1510:client id="{853DAFF4-249E-47E7-AB57-747A21442B4C}" v="211" dt="2023-02-10T13:04:30.921"/>
+    <p1510:client id="{85E5C896-F3D5-4EEE-9EEF-42CDF3633119}" v="278" dt="2023-02-13T05:44:02.134"/>
   </p1510:revLst>
 </p1510:revInfo>
 </file>
 
 <file path=ppt/changesInfos/changesInfo1.xml><?xml version="1.0" encoding="utf-8"?>
 <pc:chgInfo xmlns:a="http://schemas.openxmlformats.org/drawingml/2006/main" xmlns:r="http://schemas.openxmlformats.org/officeDocument/2006/relationships" xmlns:ac="http://schemas.microsoft.com/office/drawing/2013/main/command" xmlns:pc="http://schemas.microsoft.com/office/powerpoint/2013/main/command">
+  <pc:docChgLst>
+    <pc:chgData name="PROTYOY PRITAM GOSWAMI" userId="45558ea2eef40647" providerId="Windows Live" clId="Web-{2C7282B0-FEE9-4DE9-A5E6-66D83CE9E9EC}"/>
+    <pc:docChg chg="addSld modSld">
+      <pc:chgData name="PROTYOY PRITAM GOSWAMI" userId="45558ea2eef40647" providerId="Windows Live" clId="Web-{2C7282B0-FEE9-4DE9-A5E6-66D83CE9E9EC}" dt="2023-02-12T07:56:18.233" v="355" actId="20577"/>
+      <pc:docMkLst>
+        <pc:docMk/>
+      </pc:docMkLst>
+      <pc:sldChg chg="modSp">
+        <pc:chgData name="PROTYOY PRITAM GOSWAMI" userId="45558ea2eef40647" providerId="Windows Live" clId="Web-{2C7282B0-FEE9-4DE9-A5E6-66D83CE9E9EC}" dt="2023-02-12T07:40:19.682" v="68" actId="1076"/>
+        <pc:sldMkLst>
+          <pc:docMk/>
+          <pc:sldMk cId="1643600804" sldId="258"/>
+        </pc:sldMkLst>
+        <pc:spChg chg="mod">
+          <ac:chgData name="PROTYOY PRITAM GOSWAMI" userId="45558ea2eef40647" providerId="Windows Live" clId="Web-{2C7282B0-FEE9-4DE9-A5E6-66D83CE9E9EC}" dt="2023-02-12T07:40:19.682" v="68" actId="1076"/>
+          <ac:spMkLst>
+            <pc:docMk/>
+            <pc:sldMk cId="1643600804" sldId="258"/>
+            <ac:spMk id="7" creationId="{229C8D92-AF62-7A6A-9596-B59026F9F262}"/>
+          </ac:spMkLst>
+        </pc:spChg>
+      </pc:sldChg>
+      <pc:sldChg chg="addSp modSp">
+        <pc:chgData name="PROTYOY PRITAM GOSWAMI" userId="45558ea2eef40647" providerId="Windows Live" clId="Web-{2C7282B0-FEE9-4DE9-A5E6-66D83CE9E9EC}" dt="2023-02-12T07:39:54.056" v="67" actId="1076"/>
+        <pc:sldMkLst>
+          <pc:docMk/>
+          <pc:sldMk cId="3408242251" sldId="259"/>
+        </pc:sldMkLst>
+        <pc:spChg chg="mod">
+          <ac:chgData name="PROTYOY PRITAM GOSWAMI" userId="45558ea2eef40647" providerId="Windows Live" clId="Web-{2C7282B0-FEE9-4DE9-A5E6-66D83CE9E9EC}" dt="2023-02-12T07:39:54.056" v="67" actId="1076"/>
+          <ac:spMkLst>
+            <pc:docMk/>
+            <pc:sldMk cId="3408242251" sldId="259"/>
+            <ac:spMk id="7" creationId="{229C8D92-AF62-7A6A-9596-B59026F9F262}"/>
+          </ac:spMkLst>
+        </pc:spChg>
+        <pc:picChg chg="add mod">
+          <ac:chgData name="PROTYOY PRITAM GOSWAMI" userId="45558ea2eef40647" providerId="Windows Live" clId="Web-{2C7282B0-FEE9-4DE9-A5E6-66D83CE9E9EC}" dt="2023-02-12T07:37:33.569" v="6" actId="1076"/>
+          <ac:picMkLst>
+            <pc:docMk/>
+            <pc:sldMk cId="3408242251" sldId="259"/>
+            <ac:picMk id="3" creationId="{E04FAC6B-1C5D-77C5-5527-FECA08A03C05}"/>
+          </ac:picMkLst>
+        </pc:picChg>
+        <pc:picChg chg="mod">
+          <ac:chgData name="PROTYOY PRITAM GOSWAMI" userId="45558ea2eef40647" providerId="Windows Live" clId="Web-{2C7282B0-FEE9-4DE9-A5E6-66D83CE9E9EC}" dt="2023-02-12T07:37:29.225" v="5" actId="1076"/>
+          <ac:picMkLst>
+            <pc:docMk/>
+            <pc:sldMk cId="3408242251" sldId="259"/>
+            <ac:picMk id="6" creationId="{D9A2CEFA-66D0-D179-0FEC-25139DD91009}"/>
+          </ac:picMkLst>
+        </pc:picChg>
+      </pc:sldChg>
+      <pc:sldChg chg="addSp delSp modSp add replId">
+        <pc:chgData name="PROTYOY PRITAM GOSWAMI" userId="45558ea2eef40647" providerId="Windows Live" clId="Web-{2C7282B0-FEE9-4DE9-A5E6-66D83CE9E9EC}" dt="2023-02-12T07:50:42.398" v="322" actId="1076"/>
+        <pc:sldMkLst>
+          <pc:docMk/>
+          <pc:sldMk cId="3314343039" sldId="260"/>
+        </pc:sldMkLst>
+        <pc:spChg chg="mod">
+          <ac:chgData name="PROTYOY PRITAM GOSWAMI" userId="45558ea2eef40647" providerId="Windows Live" clId="Web-{2C7282B0-FEE9-4DE9-A5E6-66D83CE9E9EC}" dt="2023-02-12T07:43:44.202" v="105" actId="20577"/>
+          <ac:spMkLst>
+            <pc:docMk/>
+            <pc:sldMk cId="3314343039" sldId="260"/>
+            <ac:spMk id="2" creationId="{FD4CEDB4-93D7-9847-CC51-6DCBFD24989D}"/>
+          </ac:spMkLst>
+        </pc:spChg>
+        <pc:spChg chg="mod">
+          <ac:chgData name="PROTYOY PRITAM GOSWAMI" userId="45558ea2eef40647" providerId="Windows Live" clId="Web-{2C7282B0-FEE9-4DE9-A5E6-66D83CE9E9EC}" dt="2023-02-12T07:50:42.383" v="321" actId="1076"/>
+          <ac:spMkLst>
+            <pc:docMk/>
+            <pc:sldMk cId="3314343039" sldId="260"/>
+            <ac:spMk id="7" creationId="{229C8D92-AF62-7A6A-9596-B59026F9F262}"/>
+          </ac:spMkLst>
+        </pc:spChg>
+        <pc:spChg chg="add mod">
+          <ac:chgData name="PROTYOY PRITAM GOSWAMI" userId="45558ea2eef40647" providerId="Windows Live" clId="Web-{2C7282B0-FEE9-4DE9-A5E6-66D83CE9E9EC}" dt="2023-02-12T07:50:31.867" v="320" actId="1076"/>
+          <ac:spMkLst>
+            <pc:docMk/>
+            <pc:sldMk cId="3314343039" sldId="260"/>
+            <ac:spMk id="9" creationId="{3A83D77F-6FC6-F521-4B96-60EC399AAAAB}"/>
+          </ac:spMkLst>
+        </pc:spChg>
+        <pc:picChg chg="del">
+          <ac:chgData name="PROTYOY PRITAM GOSWAMI" userId="45558ea2eef40647" providerId="Windows Live" clId="Web-{2C7282B0-FEE9-4DE9-A5E6-66D83CE9E9EC}" dt="2023-02-12T07:41:31.183" v="84"/>
+          <ac:picMkLst>
+            <pc:docMk/>
+            <pc:sldMk cId="3314343039" sldId="260"/>
+            <ac:picMk id="3" creationId="{E04FAC6B-1C5D-77C5-5527-FECA08A03C05}"/>
+          </ac:picMkLst>
+        </pc:picChg>
+        <pc:picChg chg="add mod">
+          <ac:chgData name="PROTYOY PRITAM GOSWAMI" userId="45558ea2eef40647" providerId="Windows Live" clId="Web-{2C7282B0-FEE9-4DE9-A5E6-66D83CE9E9EC}" dt="2023-02-12T07:50:42.398" v="322" actId="1076"/>
+          <ac:picMkLst>
+            <pc:docMk/>
+            <pc:sldMk cId="3314343039" sldId="260"/>
+            <ac:picMk id="5" creationId="{8454A8FB-0859-8971-2A6A-B49C6A8EA3A3}"/>
+          </ac:picMkLst>
+        </pc:picChg>
+        <pc:picChg chg="del">
+          <ac:chgData name="PROTYOY PRITAM GOSWAMI" userId="45558ea2eef40647" providerId="Windows Live" clId="Web-{2C7282B0-FEE9-4DE9-A5E6-66D83CE9E9EC}" dt="2023-02-12T07:41:29.090" v="83"/>
+          <ac:picMkLst>
+            <pc:docMk/>
+            <pc:sldMk cId="3314343039" sldId="260"/>
+            <ac:picMk id="6" creationId="{D9A2CEFA-66D0-D179-0FEC-25139DD91009}"/>
+          </ac:picMkLst>
+        </pc:picChg>
+        <pc:picChg chg="add mod">
+          <ac:chgData name="PROTYOY PRITAM GOSWAMI" userId="45558ea2eef40647" providerId="Windows Live" clId="Web-{2C7282B0-FEE9-4DE9-A5E6-66D83CE9E9EC}" dt="2023-02-12T07:44:32.672" v="107" actId="1076"/>
+          <ac:picMkLst>
+            <pc:docMk/>
+            <pc:sldMk cId="3314343039" sldId="260"/>
+            <ac:picMk id="8" creationId="{22AEB19B-BC35-FC0C-4133-EB2D9585BD87}"/>
+          </ac:picMkLst>
+        </pc:picChg>
+      </pc:sldChg>
+      <pc:sldChg chg="modSp add replId">
+        <pc:chgData name="PROTYOY PRITAM GOSWAMI" userId="45558ea2eef40647" providerId="Windows Live" clId="Web-{2C7282B0-FEE9-4DE9-A5E6-66D83CE9E9EC}" dt="2023-02-12T07:56:18.233" v="355" actId="20577"/>
+        <pc:sldMkLst>
+          <pc:docMk/>
+          <pc:sldMk cId="1135817427" sldId="261"/>
+        </pc:sldMkLst>
+        <pc:spChg chg="mod">
+          <ac:chgData name="PROTYOY PRITAM GOSWAMI" userId="45558ea2eef40647" providerId="Windows Live" clId="Web-{2C7282B0-FEE9-4DE9-A5E6-66D83CE9E9EC}" dt="2023-02-12T07:53:29.558" v="352" actId="20577"/>
+          <ac:spMkLst>
+            <pc:docMk/>
+            <pc:sldMk cId="1135817427" sldId="261"/>
+            <ac:spMk id="2" creationId="{FD4CEDB4-93D7-9847-CC51-6DCBFD24989D}"/>
+          </ac:spMkLst>
+        </pc:spChg>
+        <pc:spChg chg="mod">
+          <ac:chgData name="PROTYOY PRITAM GOSWAMI" userId="45558ea2eef40647" providerId="Windows Live" clId="Web-{2C7282B0-FEE9-4DE9-A5E6-66D83CE9E9EC}" dt="2023-02-12T07:56:08.358" v="354" actId="20577"/>
+          <ac:spMkLst>
+            <pc:docMk/>
+            <pc:sldMk cId="1135817427" sldId="261"/>
+            <ac:spMk id="7" creationId="{229C8D92-AF62-7A6A-9596-B59026F9F262}"/>
+          </ac:spMkLst>
+        </pc:spChg>
+        <pc:spChg chg="mod">
+          <ac:chgData name="PROTYOY PRITAM GOSWAMI" userId="45558ea2eef40647" providerId="Windows Live" clId="Web-{2C7282B0-FEE9-4DE9-A5E6-66D83CE9E9EC}" dt="2023-02-12T07:56:18.233" v="355" actId="20577"/>
+          <ac:spMkLst>
+            <pc:docMk/>
+            <pc:sldMk cId="1135817427" sldId="261"/>
+            <ac:spMk id="9" creationId="{3A83D77F-6FC6-F521-4B96-60EC399AAAAB}"/>
+          </ac:spMkLst>
+        </pc:spChg>
+      </pc:sldChg>
+    </pc:docChg>
+  </pc:docChgLst>
+  <pc:docChgLst>
+    <pc:chgData name="PROTYOY PRITAM GOSWAMI" userId="45558ea2eef40647" providerId="Windows Live" clId="Web-{85E5C896-F3D5-4EEE-9EEF-42CDF3633119}"/>
+    <pc:docChg chg="addSld modSld">
+      <pc:chgData name="PROTYOY PRITAM GOSWAMI" userId="45558ea2eef40647" providerId="Windows Live" clId="Web-{85E5C896-F3D5-4EEE-9EEF-42CDF3633119}" dt="2023-02-13T05:44:01.900" v="172" actId="20577"/>
+      <pc:docMkLst>
+        <pc:docMk/>
+      </pc:docMkLst>
+      <pc:sldChg chg="modSp">
+        <pc:chgData name="PROTYOY PRITAM GOSWAMI" userId="45558ea2eef40647" providerId="Windows Live" clId="Web-{85E5C896-F3D5-4EEE-9EEF-42CDF3633119}" dt="2023-02-13T05:31:34.511" v="14" actId="20577"/>
+        <pc:sldMkLst>
+          <pc:docMk/>
+          <pc:sldMk cId="1975054657" sldId="257"/>
+        </pc:sldMkLst>
+        <pc:spChg chg="mod">
+          <ac:chgData name="PROTYOY PRITAM GOSWAMI" userId="45558ea2eef40647" providerId="Windows Live" clId="Web-{85E5C896-F3D5-4EEE-9EEF-42CDF3633119}" dt="2023-02-13T05:31:34.511" v="14" actId="20577"/>
+          <ac:spMkLst>
+            <pc:docMk/>
+            <pc:sldMk cId="1975054657" sldId="257"/>
+            <ac:spMk id="2" creationId="{FD4CEDB4-93D7-9847-CC51-6DCBFD24989D}"/>
+          </ac:spMkLst>
+        </pc:spChg>
+      </pc:sldChg>
+      <pc:sldChg chg="addSp delSp modSp">
+        <pc:chgData name="PROTYOY PRITAM GOSWAMI" userId="45558ea2eef40647" providerId="Windows Live" clId="Web-{85E5C896-F3D5-4EEE-9EEF-42CDF3633119}" dt="2023-02-13T05:19:37.733" v="12" actId="1076"/>
+        <pc:sldMkLst>
+          <pc:docMk/>
+          <pc:sldMk cId="1135817427" sldId="261"/>
+        </pc:sldMkLst>
+        <pc:spChg chg="mod">
+          <ac:chgData name="PROTYOY PRITAM GOSWAMI" userId="45558ea2eef40647" providerId="Windows Live" clId="Web-{85E5C896-F3D5-4EEE-9EEF-42CDF3633119}" dt="2023-02-13T05:18:54.950" v="11" actId="20577"/>
+          <ac:spMkLst>
+            <pc:docMk/>
+            <pc:sldMk cId="1135817427" sldId="261"/>
+            <ac:spMk id="7" creationId="{229C8D92-AF62-7A6A-9596-B59026F9F262}"/>
+          </ac:spMkLst>
+        </pc:spChg>
+        <pc:spChg chg="del">
+          <ac:chgData name="PROTYOY PRITAM GOSWAMI" userId="45558ea2eef40647" providerId="Windows Live" clId="Web-{85E5C896-F3D5-4EEE-9EEF-42CDF3633119}" dt="2023-02-13T05:18:31.621" v="4"/>
+          <ac:spMkLst>
+            <pc:docMk/>
+            <pc:sldMk cId="1135817427" sldId="261"/>
+            <ac:spMk id="9" creationId="{3A83D77F-6FC6-F521-4B96-60EC399AAAAB}"/>
+          </ac:spMkLst>
+        </pc:spChg>
+        <pc:picChg chg="add mod">
+          <ac:chgData name="PROTYOY PRITAM GOSWAMI" userId="45558ea2eef40647" providerId="Windows Live" clId="Web-{85E5C896-F3D5-4EEE-9EEF-42CDF3633119}" dt="2023-02-13T05:19:37.733" v="12" actId="1076"/>
+          <ac:picMkLst>
+            <pc:docMk/>
+            <pc:sldMk cId="1135817427" sldId="261"/>
+            <ac:picMk id="3" creationId="{7EA34E0D-A0C2-DA1F-566D-0B5CB60CB673}"/>
+          </ac:picMkLst>
+        </pc:picChg>
+        <pc:picChg chg="del">
+          <ac:chgData name="PROTYOY PRITAM GOSWAMI" userId="45558ea2eef40647" providerId="Windows Live" clId="Web-{85E5C896-F3D5-4EEE-9EEF-42CDF3633119}" dt="2023-02-13T05:18:00.932" v="0"/>
+          <ac:picMkLst>
+            <pc:docMk/>
+            <pc:sldMk cId="1135817427" sldId="261"/>
+            <ac:picMk id="5" creationId="{8454A8FB-0859-8971-2A6A-B49C6A8EA3A3}"/>
+          </ac:picMkLst>
+        </pc:picChg>
+        <pc:picChg chg="del">
+          <ac:chgData name="PROTYOY PRITAM GOSWAMI" userId="45558ea2eef40647" providerId="Windows Live" clId="Web-{85E5C896-F3D5-4EEE-9EEF-42CDF3633119}" dt="2023-02-13T05:18:33.292" v="5"/>
+          <ac:picMkLst>
+            <pc:docMk/>
+            <pc:sldMk cId="1135817427" sldId="261"/>
+            <ac:picMk id="8" creationId="{22AEB19B-BC35-FC0C-4133-EB2D9585BD87}"/>
+          </ac:picMkLst>
+        </pc:picChg>
+      </pc:sldChg>
+      <pc:sldChg chg="addSp delSp modSp add replId">
+        <pc:chgData name="PROTYOY PRITAM GOSWAMI" userId="45558ea2eef40647" providerId="Windows Live" clId="Web-{85E5C896-F3D5-4EEE-9EEF-42CDF3633119}" dt="2023-02-13T05:44:01.900" v="172" actId="20577"/>
+        <pc:sldMkLst>
+          <pc:docMk/>
+          <pc:sldMk cId="3462080046" sldId="262"/>
+        </pc:sldMkLst>
+        <pc:spChg chg="mod">
+          <ac:chgData name="PROTYOY PRITAM GOSWAMI" userId="45558ea2eef40647" providerId="Windows Live" clId="Web-{85E5C896-F3D5-4EEE-9EEF-42CDF3633119}" dt="2023-02-13T05:35:10.848" v="80" actId="20577"/>
+          <ac:spMkLst>
+            <pc:docMk/>
+            <pc:sldMk cId="3462080046" sldId="262"/>
+            <ac:spMk id="2" creationId="{FD4CEDB4-93D7-9847-CC51-6DCBFD24989D}"/>
+          </ac:spMkLst>
+        </pc:spChg>
+        <pc:spChg chg="add del mod">
+          <ac:chgData name="PROTYOY PRITAM GOSWAMI" userId="45558ea2eef40647" providerId="Windows Live" clId="Web-{85E5C896-F3D5-4EEE-9EEF-42CDF3633119}" dt="2023-02-13T05:34:43.206" v="69"/>
+          <ac:spMkLst>
+            <pc:docMk/>
+            <pc:sldMk cId="3462080046" sldId="262"/>
+            <ac:spMk id="6" creationId="{948CBB7C-7517-1F90-D56D-323B79C5AB48}"/>
+          </ac:spMkLst>
+        </pc:spChg>
+        <pc:spChg chg="add mod">
+          <ac:chgData name="PROTYOY PRITAM GOSWAMI" userId="45558ea2eef40647" providerId="Windows Live" clId="Web-{85E5C896-F3D5-4EEE-9EEF-42CDF3633119}" dt="2023-02-13T05:44:01.900" v="172" actId="20577"/>
+          <ac:spMkLst>
+            <pc:docMk/>
+            <pc:sldMk cId="3462080046" sldId="262"/>
+            <ac:spMk id="9" creationId="{835A5E98-4CB6-46FB-09C5-599F5D41DC8A}"/>
+          </ac:spMkLst>
+        </pc:spChg>
+        <pc:picChg chg="del">
+          <ac:chgData name="PROTYOY PRITAM GOSWAMI" userId="45558ea2eef40647" providerId="Windows Live" clId="Web-{85E5C896-F3D5-4EEE-9EEF-42CDF3633119}" dt="2023-02-13T05:33:36.907" v="57"/>
+          <ac:picMkLst>
+            <pc:docMk/>
+            <pc:sldMk cId="3462080046" sldId="262"/>
+            <ac:picMk id="3" creationId="{7EA34E0D-A0C2-DA1F-566D-0B5CB60CB673}"/>
+          </ac:picMkLst>
+        </pc:picChg>
+        <pc:picChg chg="add mod">
+          <ac:chgData name="PROTYOY PRITAM GOSWAMI" userId="45558ea2eef40647" providerId="Windows Live" clId="Web-{85E5C896-F3D5-4EEE-9EEF-42CDF3633119}" dt="2023-02-13T05:33:58.829" v="60" actId="1076"/>
+          <ac:picMkLst>
+            <pc:docMk/>
+            <pc:sldMk cId="3462080046" sldId="262"/>
+            <ac:picMk id="5" creationId="{1F8EB494-E0D1-31CB-C45E-E82A73BAB386}"/>
+          </ac:picMkLst>
+        </pc:picChg>
+      </pc:sldChg>
+    </pc:docChg>
+  </pc:docChgLst>
   <pc:docChgLst>
     <pc:chgData name="PROTYOY PRITAM GOSWAMI" userId="45558ea2eef40647" providerId="Windows Live" clId="Web-{853DAFF4-249E-47E7-AB57-747A21442B4C}"/>
     <pc:docChg chg="addSld modSld">
@@ -354,6 +629,117 @@
       </pc:sldChg>
     </pc:docChg>
   </pc:docChgLst>
+  <pc:docChgLst>
+    <pc:chgData name="PROTYOY PRITAM GOSWAMI" userId="45558ea2eef40647" providerId="Windows Live" clId="Web-{835A146D-A820-493C-A400-A7A115972E2F}"/>
+    <pc:docChg chg="addSld modSld">
+      <pc:chgData name="PROTYOY PRITAM GOSWAMI" userId="45558ea2eef40647" providerId="Windows Live" clId="Web-{835A146D-A820-493C-A400-A7A115972E2F}" dt="2023-02-11T07:53:16.751" v="152" actId="1076"/>
+      <pc:docMkLst>
+        <pc:docMk/>
+      </pc:docMkLst>
+      <pc:sldChg chg="addSp delSp modSp add replId">
+        <pc:chgData name="PROTYOY PRITAM GOSWAMI" userId="45558ea2eef40647" providerId="Windows Live" clId="Web-{835A146D-A820-493C-A400-A7A115972E2F}" dt="2023-02-11T07:38:38.520" v="130" actId="1076"/>
+        <pc:sldMkLst>
+          <pc:docMk/>
+          <pc:sldMk cId="1643600804" sldId="258"/>
+        </pc:sldMkLst>
+        <pc:spChg chg="mod">
+          <ac:chgData name="PROTYOY PRITAM GOSWAMI" userId="45558ea2eef40647" providerId="Windows Live" clId="Web-{835A146D-A820-493C-A400-A7A115972E2F}" dt="2023-02-11T07:14:48.893" v="43" actId="1076"/>
+          <ac:spMkLst>
+            <pc:docMk/>
+            <pc:sldMk cId="1643600804" sldId="258"/>
+            <ac:spMk id="2" creationId="{FD4CEDB4-93D7-9847-CC51-6DCBFD24989D}"/>
+          </ac:spMkLst>
+        </pc:spChg>
+        <pc:spChg chg="add mod">
+          <ac:chgData name="PROTYOY PRITAM GOSWAMI" userId="45558ea2eef40647" providerId="Windows Live" clId="Web-{835A146D-A820-493C-A400-A7A115972E2F}" dt="2023-02-11T07:38:38.520" v="130" actId="1076"/>
+          <ac:spMkLst>
+            <pc:docMk/>
+            <pc:sldMk cId="1643600804" sldId="258"/>
+            <ac:spMk id="7" creationId="{229C8D92-AF62-7A6A-9596-B59026F9F262}"/>
+          </ac:spMkLst>
+        </pc:spChg>
+        <pc:picChg chg="add mod">
+          <ac:chgData name="PROTYOY PRITAM GOSWAMI" userId="45558ea2eef40647" providerId="Windows Live" clId="Web-{835A146D-A820-493C-A400-A7A115972E2F}" dt="2023-02-11T07:16:33.240" v="54" actId="1076"/>
+          <ac:picMkLst>
+            <pc:docMk/>
+            <pc:sldMk cId="1643600804" sldId="258"/>
+            <ac:picMk id="3" creationId="{DA9C2409-35B5-8A2D-9B87-54686140AA09}"/>
+          </ac:picMkLst>
+        </pc:picChg>
+        <pc:picChg chg="del">
+          <ac:chgData name="PROTYOY PRITAM GOSWAMI" userId="45558ea2eef40647" providerId="Windows Live" clId="Web-{835A146D-A820-493C-A400-A7A115972E2F}" dt="2023-02-11T06:41:51.913" v="3"/>
+          <ac:picMkLst>
+            <pc:docMk/>
+            <pc:sldMk cId="1643600804" sldId="258"/>
+            <ac:picMk id="5" creationId="{12BFD5D4-A712-29E9-B1CB-DFE88E8A30C6}"/>
+          </ac:picMkLst>
+        </pc:picChg>
+        <pc:picChg chg="add mod">
+          <ac:chgData name="PROTYOY PRITAM GOSWAMI" userId="45558ea2eef40647" providerId="Windows Live" clId="Web-{835A146D-A820-493C-A400-A7A115972E2F}" dt="2023-02-11T07:16:26.459" v="53" actId="1076"/>
+          <ac:picMkLst>
+            <pc:docMk/>
+            <pc:sldMk cId="1643600804" sldId="258"/>
+            <ac:picMk id="5" creationId="{974DEEB6-4D90-98DC-91C6-2D115D92E08C}"/>
+          </ac:picMkLst>
+        </pc:picChg>
+        <pc:picChg chg="del">
+          <ac:chgData name="PROTYOY PRITAM GOSWAMI" userId="45558ea2eef40647" providerId="Windows Live" clId="Web-{835A146D-A820-493C-A400-A7A115972E2F}" dt="2023-02-11T07:14:22.877" v="41"/>
+          <ac:picMkLst>
+            <pc:docMk/>
+            <pc:sldMk cId="1643600804" sldId="258"/>
+            <ac:picMk id="6" creationId="{049A1FC3-20A5-4EB4-C1DC-6F9E9C2033B8}"/>
+          </ac:picMkLst>
+        </pc:picChg>
+      </pc:sldChg>
+      <pc:sldChg chg="addSp delSp modSp add replId">
+        <pc:chgData name="PROTYOY PRITAM GOSWAMI" userId="45558ea2eef40647" providerId="Windows Live" clId="Web-{835A146D-A820-493C-A400-A7A115972E2F}" dt="2023-02-11T07:53:16.751" v="152" actId="1076"/>
+        <pc:sldMkLst>
+          <pc:docMk/>
+          <pc:sldMk cId="3408242251" sldId="259"/>
+        </pc:sldMkLst>
+        <pc:spChg chg="mod">
+          <ac:chgData name="PROTYOY PRITAM GOSWAMI" userId="45558ea2eef40647" providerId="Windows Live" clId="Web-{835A146D-A820-493C-A400-A7A115972E2F}" dt="2023-02-11T07:52:03.670" v="145" actId="20577"/>
+          <ac:spMkLst>
+            <pc:docMk/>
+            <pc:sldMk cId="3408242251" sldId="259"/>
+            <ac:spMk id="2" creationId="{FD4CEDB4-93D7-9847-CC51-6DCBFD24989D}"/>
+          </ac:spMkLst>
+        </pc:spChg>
+        <pc:spChg chg="mod">
+          <ac:chgData name="PROTYOY PRITAM GOSWAMI" userId="45558ea2eef40647" providerId="Windows Live" clId="Web-{835A146D-A820-493C-A400-A7A115972E2F}" dt="2023-02-11T07:53:06.031" v="150" actId="1076"/>
+          <ac:spMkLst>
+            <pc:docMk/>
+            <pc:sldMk cId="3408242251" sldId="259"/>
+            <ac:spMk id="7" creationId="{229C8D92-AF62-7A6A-9596-B59026F9F262}"/>
+          </ac:spMkLst>
+        </pc:spChg>
+        <pc:picChg chg="del">
+          <ac:chgData name="PROTYOY PRITAM GOSWAMI" userId="45558ea2eef40647" providerId="Windows Live" clId="Web-{835A146D-A820-493C-A400-A7A115972E2F}" dt="2023-02-11T07:52:08.545" v="147"/>
+          <ac:picMkLst>
+            <pc:docMk/>
+            <pc:sldMk cId="3408242251" sldId="259"/>
+            <ac:picMk id="3" creationId="{DA9C2409-35B5-8A2D-9B87-54686140AA09}"/>
+          </ac:picMkLst>
+        </pc:picChg>
+        <pc:picChg chg="del">
+          <ac:chgData name="PROTYOY PRITAM GOSWAMI" userId="45558ea2eef40647" providerId="Windows Live" clId="Web-{835A146D-A820-493C-A400-A7A115972E2F}" dt="2023-02-11T07:52:06.936" v="146"/>
+          <ac:picMkLst>
+            <pc:docMk/>
+            <pc:sldMk cId="3408242251" sldId="259"/>
+            <ac:picMk id="5" creationId="{974DEEB6-4D90-98DC-91C6-2D115D92E08C}"/>
+          </ac:picMkLst>
+        </pc:picChg>
+        <pc:picChg chg="add mod">
+          <ac:chgData name="PROTYOY PRITAM GOSWAMI" userId="45558ea2eef40647" providerId="Windows Live" clId="Web-{835A146D-A820-493C-A400-A7A115972E2F}" dt="2023-02-11T07:53:16.751" v="152" actId="1076"/>
+          <ac:picMkLst>
+            <pc:docMk/>
+            <pc:sldMk cId="3408242251" sldId="259"/>
+            <ac:picMk id="6" creationId="{D9A2CEFA-66D0-D179-0FEC-25139DD91009}"/>
+          </ac:picMkLst>
+        </pc:picChg>
+      </pc:sldChg>
+    </pc:docChg>
+  </pc:docChgLst>
 </pc:chgInfo>
 </file>
 
@@ -488,7 +874,7 @@
           <a:p>
             <a:fld id="{846CE7D5-CF57-46EF-B807-FDD0502418D4}" type="datetimeFigureOut">
               <a:rPr lang="en-GB" smtClean="0"/>
-              <a:t>10/02/2023</a:t>
+              <a:t>12/02/2023</a:t>
             </a:fld>
             <a:endParaRPr lang="en-GB"/>
           </a:p>
@@ -658,7 +1044,7 @@
           <a:p>
             <a:fld id="{846CE7D5-CF57-46EF-B807-FDD0502418D4}" type="datetimeFigureOut">
               <a:rPr lang="en-GB" smtClean="0"/>
-              <a:t>10/02/2023</a:t>
+              <a:t>12/02/2023</a:t>
             </a:fld>
             <a:endParaRPr lang="en-GB"/>
           </a:p>
@@ -838,7 +1224,7 @@
           <a:p>
             <a:fld id="{846CE7D5-CF57-46EF-B807-FDD0502418D4}" type="datetimeFigureOut">
               <a:rPr lang="en-GB" smtClean="0"/>
-              <a:t>10/02/2023</a:t>
+              <a:t>12/02/2023</a:t>
             </a:fld>
             <a:endParaRPr lang="en-GB"/>
           </a:p>
@@ -1008,7 +1394,7 @@
           <a:p>
             <a:fld id="{846CE7D5-CF57-46EF-B807-FDD0502418D4}" type="datetimeFigureOut">
               <a:rPr lang="en-GB" smtClean="0"/>
-              <a:t>10/02/2023</a:t>
+              <a:t>12/02/2023</a:t>
             </a:fld>
             <a:endParaRPr lang="en-GB"/>
           </a:p>
@@ -1254,7 +1640,7 @@
           <a:p>
             <a:fld id="{846CE7D5-CF57-46EF-B807-FDD0502418D4}" type="datetimeFigureOut">
               <a:rPr lang="en-GB" smtClean="0"/>
-              <a:t>10/02/2023</a:t>
+              <a:t>12/02/2023</a:t>
             </a:fld>
             <a:endParaRPr lang="en-GB"/>
           </a:p>
@@ -1486,7 +1872,7 @@
           <a:p>
             <a:fld id="{846CE7D5-CF57-46EF-B807-FDD0502418D4}" type="datetimeFigureOut">
               <a:rPr lang="en-GB" smtClean="0"/>
-              <a:t>10/02/2023</a:t>
+              <a:t>12/02/2023</a:t>
             </a:fld>
             <a:endParaRPr lang="en-GB"/>
           </a:p>
@@ -1853,7 +2239,7 @@
           <a:p>
             <a:fld id="{846CE7D5-CF57-46EF-B807-FDD0502418D4}" type="datetimeFigureOut">
               <a:rPr lang="en-GB" smtClean="0"/>
-              <a:t>10/02/2023</a:t>
+              <a:t>12/02/2023</a:t>
             </a:fld>
             <a:endParaRPr lang="en-GB"/>
           </a:p>
@@ -1971,7 +2357,7 @@
           <a:p>
             <a:fld id="{846CE7D5-CF57-46EF-B807-FDD0502418D4}" type="datetimeFigureOut">
               <a:rPr lang="en-GB" smtClean="0"/>
-              <a:t>10/02/2023</a:t>
+              <a:t>12/02/2023</a:t>
             </a:fld>
             <a:endParaRPr lang="en-GB"/>
           </a:p>
@@ -2066,7 +2452,7 @@
           <a:p>
             <a:fld id="{846CE7D5-CF57-46EF-B807-FDD0502418D4}" type="datetimeFigureOut">
               <a:rPr lang="en-GB" smtClean="0"/>
-              <a:t>10/02/2023</a:t>
+              <a:t>12/02/2023</a:t>
             </a:fld>
             <a:endParaRPr lang="en-GB"/>
           </a:p>
@@ -2343,7 +2729,7 @@
           <a:p>
             <a:fld id="{846CE7D5-CF57-46EF-B807-FDD0502418D4}" type="datetimeFigureOut">
               <a:rPr lang="en-GB" smtClean="0"/>
-              <a:t>10/02/2023</a:t>
+              <a:t>12/02/2023</a:t>
             </a:fld>
             <a:endParaRPr lang="en-GB"/>
           </a:p>
@@ -2600,7 +2986,7 @@
           <a:p>
             <a:fld id="{846CE7D5-CF57-46EF-B807-FDD0502418D4}" type="datetimeFigureOut">
               <a:rPr lang="en-GB" smtClean="0"/>
-              <a:t>10/02/2023</a:t>
+              <a:t>12/02/2023</a:t>
             </a:fld>
             <a:endParaRPr lang="en-GB"/>
           </a:p>
@@ -2813,7 +3199,7 @@
           <a:p>
             <a:fld id="{846CE7D5-CF57-46EF-B807-FDD0502418D4}" type="datetimeFigureOut">
               <a:rPr lang="en-GB" smtClean="0"/>
-              <a:t>10/02/2023</a:t>
+              <a:t>12/02/2023</a:t>
             </a:fld>
             <a:endParaRPr lang="en-GB"/>
           </a:p>
@@ -5314,6 +5700,17 @@
               </a:rPr>
             </a:br>
             <a:r>
+              <a:rPr lang="en-GB" sz="3200" b="1" dirty="0" err="1">
+                <a:solidFill>
+                  <a:srgbClr val="E0B122"/>
+                </a:solidFill>
+                <a:latin typeface="Times New Roman"/>
+                <a:ea typeface="Calibri Light" panose="020F0302020204030204"/>
+                <a:cs typeface="Calibri Light" panose="020F0302020204030204"/>
+              </a:rPr>
+              <a:t>Atliq</a:t>
+            </a:r>
+            <a:r>
               <a:rPr lang="en-GB" sz="3200" b="1" dirty="0">
                 <a:solidFill>
                   <a:srgbClr val="E0B122"/>
@@ -5322,7 +5719,7 @@
                 <a:ea typeface="Calibri Light" panose="020F0302020204030204"/>
                 <a:cs typeface="Calibri Light" panose="020F0302020204030204"/>
               </a:rPr>
-              <a:t>Atliq Exclusive markets in APAC region</a:t>
+              <a:t> Exclusive markets in APAC region</a:t>
             </a:r>
           </a:p>
         </p:txBody>
@@ -5391,6 +5788,1245 @@
     <p:extLst>
       <p:ext uri="{BB962C8B-B14F-4D97-AF65-F5344CB8AC3E}">
         <p14:creationId xmlns:p14="http://schemas.microsoft.com/office/powerpoint/2010/main" val="1975054657"/>
+      </p:ext>
+    </p:extLst>
+  </p:cSld>
+  <p:clrMapOvr>
+    <a:masterClrMapping/>
+  </p:clrMapOvr>
+</p:sld>
+</file>
+
+<file path=ppt/slides/slide3.xml><?xml version="1.0" encoding="utf-8"?>
+<p:sld xmlns:a="http://schemas.openxmlformats.org/drawingml/2006/main" xmlns:r="http://schemas.openxmlformats.org/officeDocument/2006/relationships" xmlns:p="http://schemas.openxmlformats.org/presentationml/2006/main">
+  <p:cSld>
+    <p:spTree>
+      <p:nvGrpSpPr>
+        <p:cNvPr id="1" name=""/>
+        <p:cNvGrpSpPr/>
+        <p:nvPr/>
+      </p:nvGrpSpPr>
+      <p:grpSpPr>
+        <a:xfrm>
+          <a:off x="0" y="0"/>
+          <a:ext cx="0" cy="0"/>
+          <a:chOff x="0" y="0"/>
+          <a:chExt cx="0" cy="0"/>
+        </a:xfrm>
+      </p:grpSpPr>
+      <p:pic>
+        <p:nvPicPr>
+          <p:cNvPr id="4" name="Picture 4" descr="Background pattern&#10;&#10;Description automatically generated">
+            <a:extLst>
+              <a:ext uri="{FF2B5EF4-FFF2-40B4-BE49-F238E27FC236}">
+                <a16:creationId xmlns:a16="http://schemas.microsoft.com/office/drawing/2014/main" id="{9DDC747F-AEEE-51B4-E46F-7B7536C165CE}"/>
+              </a:ext>
+            </a:extLst>
+          </p:cNvPr>
+          <p:cNvPicPr>
+            <a:picLocks noGrp="1" noChangeAspect="1"/>
+          </p:cNvPicPr>
+          <p:nvPr>
+            <p:ph idx="1"/>
+          </p:nvPr>
+        </p:nvPicPr>
+        <p:blipFill rotWithShape="1">
+          <a:blip r:embed="rId2"/>
+          <a:srcRect t="-50" b="1610"/>
+          <a:stretch/>
+        </p:blipFill>
+        <p:spPr>
+          <a:xfrm>
+            <a:off x="-104" y="0"/>
+            <a:ext cx="12192207" cy="6861659"/>
+          </a:xfrm>
+        </p:spPr>
+      </p:pic>
+      <p:sp>
+        <p:nvSpPr>
+          <p:cNvPr id="2" name="Title 1">
+            <a:extLst>
+              <a:ext uri="{FF2B5EF4-FFF2-40B4-BE49-F238E27FC236}">
+                <a16:creationId xmlns:a16="http://schemas.microsoft.com/office/drawing/2014/main" id="{FD4CEDB4-93D7-9847-CC51-6DCBFD24989D}"/>
+              </a:ext>
+            </a:extLst>
+          </p:cNvPr>
+          <p:cNvSpPr>
+            <a:spLocks noGrp="1"/>
+          </p:cNvSpPr>
+          <p:nvPr>
+            <p:ph type="title"/>
+          </p:nvPr>
+        </p:nvSpPr>
+        <p:spPr>
+          <a:xfrm>
+            <a:off x="1092202" y="689"/>
+            <a:ext cx="9819860" cy="1347649"/>
+          </a:xfrm>
+        </p:spPr>
+        <p:txBody>
+          <a:bodyPr>
+            <a:normAutofit fontScale="90000"/>
+          </a:bodyPr>
+          <a:lstStyle/>
+          <a:p>
+            <a:pPr algn="ctr"/>
+            <a:r>
+              <a:rPr lang="en-GB" sz="3200" b="1" u="sng" dirty="0">
+                <a:solidFill>
+                  <a:srgbClr val="E0B122"/>
+                </a:solidFill>
+                <a:latin typeface="Times New Roman"/>
+                <a:ea typeface="Calibri Light" panose="020F0302020204030204"/>
+                <a:cs typeface="Calibri Light" panose="020F0302020204030204"/>
+              </a:rPr>
+              <a:t>Insight #2</a:t>
+            </a:r>
+            <a:br>
+              <a:rPr lang="en-GB" sz="3200" b="1" u="sng" dirty="0">
+                <a:solidFill>
+                  <a:srgbClr val="E0B122"/>
+                </a:solidFill>
+                <a:latin typeface="Times New Roman"/>
+                <a:ea typeface="Calibri Light" panose="020F0302020204030204"/>
+                <a:cs typeface="Calibri Light" panose="020F0302020204030204"/>
+              </a:rPr>
+            </a:br>
+            <a:r>
+              <a:rPr lang="en-GB" sz="3200" b="1" dirty="0">
+                <a:solidFill>
+                  <a:srgbClr val="E0B122"/>
+                </a:solidFill>
+                <a:latin typeface="Times New Roman"/>
+                <a:ea typeface="Calibri Light" panose="020F0302020204030204"/>
+                <a:cs typeface="Calibri Light" panose="020F0302020204030204"/>
+              </a:rPr>
+              <a:t>%age Change in Unique Products in F.Y.-2021 vs  F.Y.-2020</a:t>
+            </a:r>
+          </a:p>
+        </p:txBody>
+      </p:sp>
+      <p:pic>
+        <p:nvPicPr>
+          <p:cNvPr id="3" name="Picture 4" descr="Chart, waterfall chart&#10;&#10;Description automatically generated">
+            <a:extLst>
+              <a:ext uri="{FF2B5EF4-FFF2-40B4-BE49-F238E27FC236}">
+                <a16:creationId xmlns:a16="http://schemas.microsoft.com/office/drawing/2014/main" id="{DA9C2409-35B5-8A2D-9B87-54686140AA09}"/>
+              </a:ext>
+            </a:extLst>
+          </p:cNvPr>
+          <p:cNvPicPr>
+            <a:picLocks noChangeAspect="1"/>
+          </p:cNvPicPr>
+          <p:nvPr/>
+        </p:nvPicPr>
+        <p:blipFill>
+          <a:blip r:embed="rId3"/>
+          <a:stretch>
+            <a:fillRect/>
+          </a:stretch>
+        </p:blipFill>
+        <p:spPr>
+          <a:xfrm>
+            <a:off x="7341704" y="2922116"/>
+            <a:ext cx="4620591" cy="2747595"/>
+          </a:xfrm>
+          <a:prstGeom prst="rect">
+            <a:avLst/>
+          </a:prstGeom>
+        </p:spPr>
+      </p:pic>
+      <p:pic>
+        <p:nvPicPr>
+          <p:cNvPr id="5" name="Picture 6">
+            <a:extLst>
+              <a:ext uri="{FF2B5EF4-FFF2-40B4-BE49-F238E27FC236}">
+                <a16:creationId xmlns:a16="http://schemas.microsoft.com/office/drawing/2014/main" id="{974DEEB6-4D90-98DC-91C6-2D115D92E08C}"/>
+              </a:ext>
+            </a:extLst>
+          </p:cNvPr>
+          <p:cNvPicPr>
+            <a:picLocks noChangeAspect="1"/>
+          </p:cNvPicPr>
+          <p:nvPr/>
+        </p:nvPicPr>
+        <p:blipFill>
+          <a:blip r:embed="rId4"/>
+          <a:stretch>
+            <a:fillRect/>
+          </a:stretch>
+        </p:blipFill>
+        <p:spPr>
+          <a:xfrm>
+            <a:off x="2427357" y="1233539"/>
+            <a:ext cx="7226852" cy="967443"/>
+          </a:xfrm>
+          <a:prstGeom prst="rect">
+            <a:avLst/>
+          </a:prstGeom>
+        </p:spPr>
+      </p:pic>
+      <p:sp>
+        <p:nvSpPr>
+          <p:cNvPr id="7" name="TextBox 6">
+            <a:extLst>
+              <a:ext uri="{FF2B5EF4-FFF2-40B4-BE49-F238E27FC236}">
+                <a16:creationId xmlns:a16="http://schemas.microsoft.com/office/drawing/2014/main" id="{229C8D92-AF62-7A6A-9596-B59026F9F262}"/>
+              </a:ext>
+            </a:extLst>
+          </p:cNvPr>
+          <p:cNvSpPr txBox="1"/>
+          <p:nvPr/>
+        </p:nvSpPr>
+        <p:spPr>
+          <a:xfrm>
+            <a:off x="1687885" y="3428337"/>
+            <a:ext cx="4914347" cy="646331"/>
+          </a:xfrm>
+          <a:prstGeom prst="rect">
+            <a:avLst/>
+          </a:prstGeom>
+          <a:noFill/>
+        </p:spPr>
+        <p:txBody>
+          <a:bodyPr rot="0" spcFirstLastPara="0" vertOverflow="overflow" horzOverflow="overflow" vert="horz" wrap="square" lIns="91440" tIns="45720" rIns="91440" bIns="45720" numCol="1" spcCol="0" rtlCol="0" fromWordArt="0" anchor="t" anchorCtr="0" forceAA="0" compatLnSpc="1">
+            <a:prstTxWarp prst="textNoShape">
+              <a:avLst/>
+            </a:prstTxWarp>
+            <a:spAutoFit/>
+          </a:bodyPr>
+          <a:lstStyle/>
+          <a:p>
+            <a:pPr marL="285750" indent="-285750">
+              <a:buFont typeface="Arial"/>
+              <a:buChar char="•"/>
+            </a:pPr>
+            <a:r>
+              <a:rPr lang="en-GB" b="1" dirty="0">
+                <a:solidFill>
+                  <a:srgbClr val="E0B122"/>
+                </a:solidFill>
+                <a:cs typeface="Calibri"/>
+              </a:rPr>
+              <a:t>There is a 36.33% increase in unique products in f.y. 2021 vs f.y. 2020 from 245 to 334.</a:t>
+            </a:r>
+          </a:p>
+        </p:txBody>
+      </p:sp>
+    </p:spTree>
+    <p:extLst>
+      <p:ext uri="{BB962C8B-B14F-4D97-AF65-F5344CB8AC3E}">
+        <p14:creationId xmlns:p14="http://schemas.microsoft.com/office/powerpoint/2010/main" val="1643600804"/>
+      </p:ext>
+    </p:extLst>
+  </p:cSld>
+  <p:clrMapOvr>
+    <a:masterClrMapping/>
+  </p:clrMapOvr>
+</p:sld>
+</file>
+
+<file path=ppt/slides/slide4.xml><?xml version="1.0" encoding="utf-8"?>
+<p:sld xmlns:a="http://schemas.openxmlformats.org/drawingml/2006/main" xmlns:r="http://schemas.openxmlformats.org/officeDocument/2006/relationships" xmlns:p="http://schemas.openxmlformats.org/presentationml/2006/main">
+  <p:cSld>
+    <p:spTree>
+      <p:nvGrpSpPr>
+        <p:cNvPr id="1" name=""/>
+        <p:cNvGrpSpPr/>
+        <p:nvPr/>
+      </p:nvGrpSpPr>
+      <p:grpSpPr>
+        <a:xfrm>
+          <a:off x="0" y="0"/>
+          <a:ext cx="0" cy="0"/>
+          <a:chOff x="0" y="0"/>
+          <a:chExt cx="0" cy="0"/>
+        </a:xfrm>
+      </p:grpSpPr>
+      <p:pic>
+        <p:nvPicPr>
+          <p:cNvPr id="4" name="Picture 4" descr="Background pattern&#10;&#10;Description automatically generated">
+            <a:extLst>
+              <a:ext uri="{FF2B5EF4-FFF2-40B4-BE49-F238E27FC236}">
+                <a16:creationId xmlns:a16="http://schemas.microsoft.com/office/drawing/2014/main" id="{9DDC747F-AEEE-51B4-E46F-7B7536C165CE}"/>
+              </a:ext>
+            </a:extLst>
+          </p:cNvPr>
+          <p:cNvPicPr>
+            <a:picLocks noGrp="1" noChangeAspect="1"/>
+          </p:cNvPicPr>
+          <p:nvPr>
+            <p:ph idx="1"/>
+          </p:nvPr>
+        </p:nvPicPr>
+        <p:blipFill rotWithShape="1">
+          <a:blip r:embed="rId2"/>
+          <a:srcRect t="-50" b="1610"/>
+          <a:stretch/>
+        </p:blipFill>
+        <p:spPr>
+          <a:xfrm>
+            <a:off x="-104" y="0"/>
+            <a:ext cx="12192207" cy="6861659"/>
+          </a:xfrm>
+        </p:spPr>
+      </p:pic>
+      <p:sp>
+        <p:nvSpPr>
+          <p:cNvPr id="2" name="Title 1">
+            <a:extLst>
+              <a:ext uri="{FF2B5EF4-FFF2-40B4-BE49-F238E27FC236}">
+                <a16:creationId xmlns:a16="http://schemas.microsoft.com/office/drawing/2014/main" id="{FD4CEDB4-93D7-9847-CC51-6DCBFD24989D}"/>
+              </a:ext>
+            </a:extLst>
+          </p:cNvPr>
+          <p:cNvSpPr>
+            <a:spLocks noGrp="1"/>
+          </p:cNvSpPr>
+          <p:nvPr>
+            <p:ph type="title"/>
+          </p:nvPr>
+        </p:nvSpPr>
+        <p:spPr>
+          <a:xfrm>
+            <a:off x="1092202" y="689"/>
+            <a:ext cx="9819860" cy="1347649"/>
+          </a:xfrm>
+        </p:spPr>
+        <p:txBody>
+          <a:bodyPr>
+            <a:normAutofit/>
+          </a:bodyPr>
+          <a:lstStyle/>
+          <a:p>
+            <a:pPr algn="ctr"/>
+            <a:r>
+              <a:rPr lang="en-GB" sz="3200" b="1" u="sng" dirty="0">
+                <a:solidFill>
+                  <a:srgbClr val="E0B122"/>
+                </a:solidFill>
+                <a:latin typeface="Times New Roman"/>
+                <a:ea typeface="Calibri Light" panose="020F0302020204030204"/>
+                <a:cs typeface="Calibri Light" panose="020F0302020204030204"/>
+              </a:rPr>
+              <a:t>Insight #3</a:t>
+            </a:r>
+            <a:br>
+              <a:rPr lang="en-GB" sz="3200" b="1" u="sng" dirty="0">
+                <a:solidFill>
+                  <a:srgbClr val="E0B122"/>
+                </a:solidFill>
+                <a:latin typeface="Times New Roman"/>
+                <a:ea typeface="Calibri Light" panose="020F0302020204030204"/>
+                <a:cs typeface="Calibri Light" panose="020F0302020204030204"/>
+              </a:rPr>
+            </a:br>
+            <a:r>
+              <a:rPr lang="en-GB" sz="3200" b="1" dirty="0">
+                <a:solidFill>
+                  <a:srgbClr val="E0B122"/>
+                </a:solidFill>
+                <a:latin typeface="Times New Roman"/>
+                <a:ea typeface="Calibri Light" panose="020F0302020204030204"/>
+                <a:cs typeface="Calibri Light" panose="020F0302020204030204"/>
+              </a:rPr>
+              <a:t>Unique Products by Segment</a:t>
+            </a:r>
+          </a:p>
+        </p:txBody>
+      </p:sp>
+      <p:sp>
+        <p:nvSpPr>
+          <p:cNvPr id="7" name="TextBox 6">
+            <a:extLst>
+              <a:ext uri="{FF2B5EF4-FFF2-40B4-BE49-F238E27FC236}">
+                <a16:creationId xmlns:a16="http://schemas.microsoft.com/office/drawing/2014/main" id="{229C8D92-AF62-7A6A-9596-B59026F9F262}"/>
+              </a:ext>
+            </a:extLst>
+          </p:cNvPr>
+          <p:cNvSpPr txBox="1"/>
+          <p:nvPr/>
+        </p:nvSpPr>
+        <p:spPr>
+          <a:xfrm>
+            <a:off x="3411109" y="5042452"/>
+            <a:ext cx="5371547" cy="923330"/>
+          </a:xfrm>
+          <a:prstGeom prst="rect">
+            <a:avLst/>
+          </a:prstGeom>
+          <a:noFill/>
+        </p:spPr>
+        <p:txBody>
+          <a:bodyPr rot="0" spcFirstLastPara="0" vertOverflow="overflow" horzOverflow="overflow" vert="horz" wrap="square" lIns="91440" tIns="45720" rIns="91440" bIns="45720" numCol="1" spcCol="0" rtlCol="0" fromWordArt="0" anchor="t" anchorCtr="0" forceAA="0" compatLnSpc="1">
+            <a:prstTxWarp prst="textNoShape">
+              <a:avLst/>
+            </a:prstTxWarp>
+            <a:spAutoFit/>
+          </a:bodyPr>
+          <a:lstStyle/>
+          <a:p>
+            <a:pPr marL="285750" indent="-285750">
+              <a:buFont typeface="Arial"/>
+              <a:buChar char="•"/>
+            </a:pPr>
+            <a:r>
+              <a:rPr lang="en-GB" b="1" dirty="0">
+                <a:solidFill>
+                  <a:srgbClr val="E0B122"/>
+                </a:solidFill>
+                <a:cs typeface="Calibri"/>
+              </a:rPr>
+              <a:t>Notebook segment has the most unique products counting to 129 followed by Accessories(116) and Peripherals(84).</a:t>
+            </a:r>
+            <a:endParaRPr lang="en-GB" b="1" dirty="0">
+              <a:solidFill>
+                <a:srgbClr val="E0B122"/>
+              </a:solidFill>
+              <a:ea typeface="Calibri"/>
+              <a:cs typeface="Calibri"/>
+            </a:endParaRPr>
+          </a:p>
+        </p:txBody>
+      </p:sp>
+      <p:pic>
+        <p:nvPicPr>
+          <p:cNvPr id="6" name="Picture 7" descr="Table&#10;&#10;Description automatically generated">
+            <a:extLst>
+              <a:ext uri="{FF2B5EF4-FFF2-40B4-BE49-F238E27FC236}">
+                <a16:creationId xmlns:a16="http://schemas.microsoft.com/office/drawing/2014/main" id="{D9A2CEFA-66D0-D179-0FEC-25139DD91009}"/>
+              </a:ext>
+            </a:extLst>
+          </p:cNvPr>
+          <p:cNvPicPr>
+            <a:picLocks noChangeAspect="1"/>
+          </p:cNvPicPr>
+          <p:nvPr/>
+        </p:nvPicPr>
+        <p:blipFill>
+          <a:blip r:embed="rId3"/>
+          <a:stretch>
+            <a:fillRect/>
+          </a:stretch>
+        </p:blipFill>
+        <p:spPr>
+          <a:xfrm>
+            <a:off x="1094036" y="1749701"/>
+            <a:ext cx="4309027" cy="2883728"/>
+          </a:xfrm>
+          <a:prstGeom prst="rect">
+            <a:avLst/>
+          </a:prstGeom>
+        </p:spPr>
+      </p:pic>
+      <p:pic>
+        <p:nvPicPr>
+          <p:cNvPr id="3" name="Picture 4" descr="Chart, bar chart&#10;&#10;Description automatically generated">
+            <a:extLst>
+              <a:ext uri="{FF2B5EF4-FFF2-40B4-BE49-F238E27FC236}">
+                <a16:creationId xmlns:a16="http://schemas.microsoft.com/office/drawing/2014/main" id="{E04FAC6B-1C5D-77C5-5527-FECA08A03C05}"/>
+              </a:ext>
+            </a:extLst>
+          </p:cNvPr>
+          <p:cNvPicPr>
+            <a:picLocks noChangeAspect="1"/>
+          </p:cNvPicPr>
+          <p:nvPr/>
+        </p:nvPicPr>
+        <p:blipFill>
+          <a:blip r:embed="rId4"/>
+          <a:stretch>
+            <a:fillRect/>
+          </a:stretch>
+        </p:blipFill>
+        <p:spPr>
+          <a:xfrm>
+            <a:off x="6786880" y="1745676"/>
+            <a:ext cx="4307840" cy="2889129"/>
+          </a:xfrm>
+          <a:prstGeom prst="rect">
+            <a:avLst/>
+          </a:prstGeom>
+        </p:spPr>
+      </p:pic>
+    </p:spTree>
+    <p:extLst>
+      <p:ext uri="{BB962C8B-B14F-4D97-AF65-F5344CB8AC3E}">
+        <p14:creationId xmlns:p14="http://schemas.microsoft.com/office/powerpoint/2010/main" val="3408242251"/>
+      </p:ext>
+    </p:extLst>
+  </p:cSld>
+  <p:clrMapOvr>
+    <a:masterClrMapping/>
+  </p:clrMapOvr>
+</p:sld>
+</file>
+
+<file path=ppt/slides/slide5.xml><?xml version="1.0" encoding="utf-8"?>
+<p:sld xmlns:a="http://schemas.openxmlformats.org/drawingml/2006/main" xmlns:r="http://schemas.openxmlformats.org/officeDocument/2006/relationships" xmlns:p="http://schemas.openxmlformats.org/presentationml/2006/main">
+  <p:cSld>
+    <p:spTree>
+      <p:nvGrpSpPr>
+        <p:cNvPr id="1" name=""/>
+        <p:cNvGrpSpPr/>
+        <p:nvPr/>
+      </p:nvGrpSpPr>
+      <p:grpSpPr>
+        <a:xfrm>
+          <a:off x="0" y="0"/>
+          <a:ext cx="0" cy="0"/>
+          <a:chOff x="0" y="0"/>
+          <a:chExt cx="0" cy="0"/>
+        </a:xfrm>
+      </p:grpSpPr>
+      <p:pic>
+        <p:nvPicPr>
+          <p:cNvPr id="4" name="Picture 4" descr="Background pattern&#10;&#10;Description automatically generated">
+            <a:extLst>
+              <a:ext uri="{FF2B5EF4-FFF2-40B4-BE49-F238E27FC236}">
+                <a16:creationId xmlns:a16="http://schemas.microsoft.com/office/drawing/2014/main" id="{9DDC747F-AEEE-51B4-E46F-7B7536C165CE}"/>
+              </a:ext>
+            </a:extLst>
+          </p:cNvPr>
+          <p:cNvPicPr>
+            <a:picLocks noGrp="1" noChangeAspect="1"/>
+          </p:cNvPicPr>
+          <p:nvPr>
+            <p:ph idx="1"/>
+          </p:nvPr>
+        </p:nvPicPr>
+        <p:blipFill rotWithShape="1">
+          <a:blip r:embed="rId2"/>
+          <a:srcRect t="-50" b="1610"/>
+          <a:stretch/>
+        </p:blipFill>
+        <p:spPr>
+          <a:xfrm>
+            <a:off x="-104" y="0"/>
+            <a:ext cx="12192207" cy="6861659"/>
+          </a:xfrm>
+        </p:spPr>
+      </p:pic>
+      <p:sp>
+        <p:nvSpPr>
+          <p:cNvPr id="2" name="Title 1">
+            <a:extLst>
+              <a:ext uri="{FF2B5EF4-FFF2-40B4-BE49-F238E27FC236}">
+                <a16:creationId xmlns:a16="http://schemas.microsoft.com/office/drawing/2014/main" id="{FD4CEDB4-93D7-9847-CC51-6DCBFD24989D}"/>
+              </a:ext>
+            </a:extLst>
+          </p:cNvPr>
+          <p:cNvSpPr>
+            <a:spLocks noGrp="1"/>
+          </p:cNvSpPr>
+          <p:nvPr>
+            <p:ph type="title"/>
+          </p:nvPr>
+        </p:nvSpPr>
+        <p:spPr>
+          <a:xfrm>
+            <a:off x="1092202" y="689"/>
+            <a:ext cx="9819860" cy="1347649"/>
+          </a:xfrm>
+        </p:spPr>
+        <p:txBody>
+          <a:bodyPr>
+            <a:normAutofit/>
+          </a:bodyPr>
+          <a:lstStyle/>
+          <a:p>
+            <a:pPr algn="ctr"/>
+            <a:r>
+              <a:rPr lang="en-GB" sz="3200" b="1" u="sng" dirty="0">
+                <a:solidFill>
+                  <a:srgbClr val="E0B122"/>
+                </a:solidFill>
+                <a:latin typeface="Times New Roman"/>
+                <a:ea typeface="Calibri Light" panose="020F0302020204030204"/>
+                <a:cs typeface="Calibri Light" panose="020F0302020204030204"/>
+              </a:rPr>
+              <a:t>Insight #4</a:t>
+            </a:r>
+            <a:br>
+              <a:rPr lang="en-GB" sz="3200" b="1" u="sng" dirty="0">
+                <a:solidFill>
+                  <a:srgbClr val="E0B122"/>
+                </a:solidFill>
+                <a:latin typeface="Times New Roman"/>
+                <a:ea typeface="Calibri Light" panose="020F0302020204030204"/>
+                <a:cs typeface="Calibri Light" panose="020F0302020204030204"/>
+              </a:rPr>
+            </a:br>
+            <a:r>
+              <a:rPr lang="en-GB" sz="3200" b="1" dirty="0">
+                <a:solidFill>
+                  <a:srgbClr val="E0B122"/>
+                </a:solidFill>
+                <a:latin typeface="Times New Roman"/>
+                <a:ea typeface="Calibri Light" panose="020F0302020204030204"/>
+                <a:cs typeface="Calibri Light" panose="020F0302020204030204"/>
+              </a:rPr>
+              <a:t>Segment wise Product Count by Year</a:t>
+            </a:r>
+          </a:p>
+        </p:txBody>
+      </p:sp>
+      <p:sp>
+        <p:nvSpPr>
+          <p:cNvPr id="7" name="TextBox 6">
+            <a:extLst>
+              <a:ext uri="{FF2B5EF4-FFF2-40B4-BE49-F238E27FC236}">
+                <a16:creationId xmlns:a16="http://schemas.microsoft.com/office/drawing/2014/main" id="{229C8D92-AF62-7A6A-9596-B59026F9F262}"/>
+              </a:ext>
+            </a:extLst>
+          </p:cNvPr>
+          <p:cNvSpPr txBox="1"/>
+          <p:nvPr/>
+        </p:nvSpPr>
+        <p:spPr>
+          <a:xfrm>
+            <a:off x="7363349" y="1740452"/>
+            <a:ext cx="4121867" cy="1754326"/>
+          </a:xfrm>
+          <a:prstGeom prst="rect">
+            <a:avLst/>
+          </a:prstGeom>
+          <a:noFill/>
+        </p:spPr>
+        <p:txBody>
+          <a:bodyPr rot="0" spcFirstLastPara="0" vertOverflow="overflow" horzOverflow="overflow" vert="horz" wrap="square" lIns="91440" tIns="45720" rIns="91440" bIns="45720" numCol="1" spcCol="0" rtlCol="0" fromWordArt="0" anchor="t" anchorCtr="0" forceAA="0" compatLnSpc="1">
+            <a:prstTxWarp prst="textNoShape">
+              <a:avLst/>
+            </a:prstTxWarp>
+            <a:spAutoFit/>
+          </a:bodyPr>
+          <a:lstStyle/>
+          <a:p>
+            <a:pPr marL="285750" indent="-285750" algn="just">
+              <a:buFont typeface="Arial"/>
+              <a:buChar char="•"/>
+            </a:pPr>
+            <a:r>
+              <a:rPr lang="en-GB" b="1" dirty="0">
+                <a:solidFill>
+                  <a:srgbClr val="E0B122"/>
+                </a:solidFill>
+                <a:cs typeface="Calibri"/>
+              </a:rPr>
+              <a:t>Notebook segment has the most unique products counting to 92 and 108 in </a:t>
+            </a:r>
+            <a:r>
+              <a:rPr lang="en-GB" b="1" dirty="0" err="1">
+                <a:solidFill>
+                  <a:srgbClr val="E0B122"/>
+                </a:solidFill>
+                <a:cs typeface="Calibri"/>
+              </a:rPr>
+              <a:t>f.y.</a:t>
+            </a:r>
+            <a:r>
+              <a:rPr lang="en-GB" b="1" dirty="0">
+                <a:solidFill>
+                  <a:srgbClr val="E0B122"/>
+                </a:solidFill>
+                <a:cs typeface="Calibri"/>
+              </a:rPr>
+              <a:t> 2020 and </a:t>
+            </a:r>
+            <a:r>
+              <a:rPr lang="en-GB" b="1" dirty="0" err="1">
+                <a:solidFill>
+                  <a:srgbClr val="E0B122"/>
+                </a:solidFill>
+                <a:cs typeface="Calibri"/>
+              </a:rPr>
+              <a:t>f.y.</a:t>
+            </a:r>
+            <a:r>
+              <a:rPr lang="en-GB" b="1" dirty="0">
+                <a:solidFill>
+                  <a:srgbClr val="E0B122"/>
+                </a:solidFill>
+                <a:cs typeface="Calibri"/>
+              </a:rPr>
+              <a:t> 2021 respectively. Accessories segment (69 and 103) and Peripherals segment(59 and 75) follows.</a:t>
+            </a:r>
+            <a:endParaRPr lang="en-GB" b="1" dirty="0">
+              <a:solidFill>
+                <a:srgbClr val="E0B122"/>
+              </a:solidFill>
+              <a:ea typeface="Calibri"/>
+              <a:cs typeface="Calibri"/>
+            </a:endParaRPr>
+          </a:p>
+        </p:txBody>
+      </p:sp>
+      <p:pic>
+        <p:nvPicPr>
+          <p:cNvPr id="5" name="Picture 7" descr="Table&#10;&#10;Description automatically generated">
+            <a:extLst>
+              <a:ext uri="{FF2B5EF4-FFF2-40B4-BE49-F238E27FC236}">
+                <a16:creationId xmlns:a16="http://schemas.microsoft.com/office/drawing/2014/main" id="{8454A8FB-0859-8971-2A6A-B49C6A8EA3A3}"/>
+              </a:ext>
+            </a:extLst>
+          </p:cNvPr>
+          <p:cNvPicPr>
+            <a:picLocks noChangeAspect="1"/>
+          </p:cNvPicPr>
+          <p:nvPr/>
+        </p:nvPicPr>
+        <p:blipFill>
+          <a:blip r:embed="rId3"/>
+          <a:stretch>
+            <a:fillRect/>
+          </a:stretch>
+        </p:blipFill>
+        <p:spPr>
+          <a:xfrm>
+            <a:off x="711200" y="1735481"/>
+            <a:ext cx="6126480" cy="1842718"/>
+          </a:xfrm>
+          <a:prstGeom prst="rect">
+            <a:avLst/>
+          </a:prstGeom>
+        </p:spPr>
+      </p:pic>
+      <p:pic>
+        <p:nvPicPr>
+          <p:cNvPr id="8" name="Picture 8" descr="Chart, bar chart&#10;&#10;Description automatically generated">
+            <a:extLst>
+              <a:ext uri="{FF2B5EF4-FFF2-40B4-BE49-F238E27FC236}">
+                <a16:creationId xmlns:a16="http://schemas.microsoft.com/office/drawing/2014/main" id="{22AEB19B-BC35-FC0C-4133-EB2D9585BD87}"/>
+              </a:ext>
+            </a:extLst>
+          </p:cNvPr>
+          <p:cNvPicPr>
+            <a:picLocks noChangeAspect="1"/>
+          </p:cNvPicPr>
+          <p:nvPr/>
+        </p:nvPicPr>
+        <p:blipFill>
+          <a:blip r:embed="rId4"/>
+          <a:stretch>
+            <a:fillRect/>
+          </a:stretch>
+        </p:blipFill>
+        <p:spPr>
+          <a:xfrm>
+            <a:off x="7366000" y="3886626"/>
+            <a:ext cx="4104640" cy="2427388"/>
+          </a:xfrm>
+          <a:prstGeom prst="rect">
+            <a:avLst/>
+          </a:prstGeom>
+        </p:spPr>
+      </p:pic>
+      <p:sp>
+        <p:nvSpPr>
+          <p:cNvPr id="9" name="TextBox 8">
+            <a:extLst>
+              <a:ext uri="{FF2B5EF4-FFF2-40B4-BE49-F238E27FC236}">
+                <a16:creationId xmlns:a16="http://schemas.microsoft.com/office/drawing/2014/main" id="{3A83D77F-6FC6-F521-4B96-60EC399AAAAB}"/>
+              </a:ext>
+            </a:extLst>
+          </p:cNvPr>
+          <p:cNvSpPr txBox="1"/>
+          <p:nvPr/>
+        </p:nvSpPr>
+        <p:spPr>
+          <a:xfrm>
+            <a:off x="1714388" y="4422691"/>
+            <a:ext cx="4121867" cy="1200329"/>
+          </a:xfrm>
+          <a:prstGeom prst="rect">
+            <a:avLst/>
+          </a:prstGeom>
+          <a:noFill/>
+        </p:spPr>
+        <p:txBody>
+          <a:bodyPr rot="0" spcFirstLastPara="0" vertOverflow="overflow" horzOverflow="overflow" vert="horz" wrap="square" lIns="91440" tIns="45720" rIns="91440" bIns="45720" numCol="1" spcCol="0" rtlCol="0" fromWordArt="0" anchor="t" anchorCtr="0" forceAA="0" compatLnSpc="1">
+            <a:prstTxWarp prst="textNoShape">
+              <a:avLst/>
+            </a:prstTxWarp>
+            <a:spAutoFit/>
+          </a:bodyPr>
+          <a:lstStyle/>
+          <a:p>
+            <a:pPr marL="285750" indent="-285750" algn="just">
+              <a:buFont typeface="Arial"/>
+              <a:buChar char="•"/>
+            </a:pPr>
+            <a:r>
+              <a:rPr lang="en-GB" b="1" dirty="0">
+                <a:solidFill>
+                  <a:srgbClr val="E0B122"/>
+                </a:solidFill>
+                <a:cs typeface="Calibri"/>
+              </a:rPr>
+              <a:t>However the highest increase in unique products count can be seen in Desktop segment followed by Networking and Accessories segment.</a:t>
+            </a:r>
+            <a:endParaRPr lang="en-GB" b="1" dirty="0">
+              <a:solidFill>
+                <a:srgbClr val="E0B122"/>
+              </a:solidFill>
+              <a:ea typeface="Calibri"/>
+              <a:cs typeface="Calibri"/>
+            </a:endParaRPr>
+          </a:p>
+        </p:txBody>
+      </p:sp>
+    </p:spTree>
+    <p:extLst>
+      <p:ext uri="{BB962C8B-B14F-4D97-AF65-F5344CB8AC3E}">
+        <p14:creationId xmlns:p14="http://schemas.microsoft.com/office/powerpoint/2010/main" val="3314343039"/>
+      </p:ext>
+    </p:extLst>
+  </p:cSld>
+  <p:clrMapOvr>
+    <a:masterClrMapping/>
+  </p:clrMapOvr>
+</p:sld>
+</file>
+
+<file path=ppt/slides/slide6.xml><?xml version="1.0" encoding="utf-8"?>
+<p:sld xmlns:a="http://schemas.openxmlformats.org/drawingml/2006/main" xmlns:r="http://schemas.openxmlformats.org/officeDocument/2006/relationships" xmlns:p="http://schemas.openxmlformats.org/presentationml/2006/main">
+  <p:cSld>
+    <p:spTree>
+      <p:nvGrpSpPr>
+        <p:cNvPr id="1" name=""/>
+        <p:cNvGrpSpPr/>
+        <p:nvPr/>
+      </p:nvGrpSpPr>
+      <p:grpSpPr>
+        <a:xfrm>
+          <a:off x="0" y="0"/>
+          <a:ext cx="0" cy="0"/>
+          <a:chOff x="0" y="0"/>
+          <a:chExt cx="0" cy="0"/>
+        </a:xfrm>
+      </p:grpSpPr>
+      <p:pic>
+        <p:nvPicPr>
+          <p:cNvPr id="4" name="Picture 4" descr="Background pattern&#10;&#10;Description automatically generated">
+            <a:extLst>
+              <a:ext uri="{FF2B5EF4-FFF2-40B4-BE49-F238E27FC236}">
+                <a16:creationId xmlns:a16="http://schemas.microsoft.com/office/drawing/2014/main" id="{9DDC747F-AEEE-51B4-E46F-7B7536C165CE}"/>
+              </a:ext>
+            </a:extLst>
+          </p:cNvPr>
+          <p:cNvPicPr>
+            <a:picLocks noGrp="1" noChangeAspect="1"/>
+          </p:cNvPicPr>
+          <p:nvPr>
+            <p:ph idx="1"/>
+          </p:nvPr>
+        </p:nvPicPr>
+        <p:blipFill rotWithShape="1">
+          <a:blip r:embed="rId2"/>
+          <a:srcRect t="-50" b="1610"/>
+          <a:stretch/>
+        </p:blipFill>
+        <p:spPr>
+          <a:xfrm>
+            <a:off x="-104" y="0"/>
+            <a:ext cx="12192207" cy="6861659"/>
+          </a:xfrm>
+        </p:spPr>
+      </p:pic>
+      <p:sp>
+        <p:nvSpPr>
+          <p:cNvPr id="2" name="Title 1">
+            <a:extLst>
+              <a:ext uri="{FF2B5EF4-FFF2-40B4-BE49-F238E27FC236}">
+                <a16:creationId xmlns:a16="http://schemas.microsoft.com/office/drawing/2014/main" id="{FD4CEDB4-93D7-9847-CC51-6DCBFD24989D}"/>
+              </a:ext>
+            </a:extLst>
+          </p:cNvPr>
+          <p:cNvSpPr>
+            <a:spLocks noGrp="1"/>
+          </p:cNvSpPr>
+          <p:nvPr>
+            <p:ph type="title"/>
+          </p:nvPr>
+        </p:nvSpPr>
+        <p:spPr>
+          <a:xfrm>
+            <a:off x="1092202" y="689"/>
+            <a:ext cx="9819860" cy="1347649"/>
+          </a:xfrm>
+        </p:spPr>
+        <p:txBody>
+          <a:bodyPr>
+            <a:normAutofit/>
+          </a:bodyPr>
+          <a:lstStyle/>
+          <a:p>
+            <a:pPr algn="ctr"/>
+            <a:r>
+              <a:rPr lang="en-GB" sz="3200" b="1" u="sng" dirty="0">
+                <a:solidFill>
+                  <a:srgbClr val="E0B122"/>
+                </a:solidFill>
+                <a:latin typeface="Times New Roman"/>
+                <a:ea typeface="Calibri Light" panose="020F0302020204030204"/>
+                <a:cs typeface="Calibri Light" panose="020F0302020204030204"/>
+              </a:rPr>
+              <a:t>Insight #5</a:t>
+            </a:r>
+            <a:br>
+              <a:rPr lang="en-GB" sz="3200" b="1" u="sng" dirty="0">
+                <a:solidFill>
+                  <a:srgbClr val="E0B122"/>
+                </a:solidFill>
+                <a:latin typeface="Times New Roman"/>
+                <a:ea typeface="Calibri Light" panose="020F0302020204030204"/>
+                <a:cs typeface="Calibri Light" panose="020F0302020204030204"/>
+              </a:rPr>
+            </a:br>
+            <a:r>
+              <a:rPr lang="en-GB" sz="3200" b="1" dirty="0">
+                <a:solidFill>
+                  <a:srgbClr val="E0B122"/>
+                </a:solidFill>
+                <a:latin typeface="Times New Roman"/>
+                <a:ea typeface="Calibri Light" panose="020F0302020204030204"/>
+                <a:cs typeface="Calibri Light" panose="020F0302020204030204"/>
+              </a:rPr>
+              <a:t>Highest and Lowest Manufacturing Cost Products</a:t>
+            </a:r>
+          </a:p>
+        </p:txBody>
+      </p:sp>
+      <p:sp>
+        <p:nvSpPr>
+          <p:cNvPr id="7" name="TextBox 6">
+            <a:extLst>
+              <a:ext uri="{FF2B5EF4-FFF2-40B4-BE49-F238E27FC236}">
+                <a16:creationId xmlns:a16="http://schemas.microsoft.com/office/drawing/2014/main" id="{229C8D92-AF62-7A6A-9596-B59026F9F262}"/>
+              </a:ext>
+            </a:extLst>
+          </p:cNvPr>
+          <p:cNvSpPr txBox="1"/>
+          <p:nvPr/>
+        </p:nvSpPr>
+        <p:spPr>
+          <a:xfrm>
+            <a:off x="3939429" y="3711492"/>
+            <a:ext cx="4121867" cy="369332"/>
+          </a:xfrm>
+          <a:prstGeom prst="rect">
+            <a:avLst/>
+          </a:prstGeom>
+          <a:noFill/>
+        </p:spPr>
+        <p:txBody>
+          <a:bodyPr rot="0" spcFirstLastPara="0" vertOverflow="overflow" horzOverflow="overflow" vert="horz" wrap="square" lIns="91440" tIns="45720" rIns="91440" bIns="45720" numCol="1" spcCol="0" rtlCol="0" fromWordArt="0" anchor="t" anchorCtr="0" forceAA="0" compatLnSpc="1">
+            <a:prstTxWarp prst="textNoShape">
+              <a:avLst/>
+            </a:prstTxWarp>
+            <a:spAutoFit/>
+          </a:bodyPr>
+          <a:lstStyle/>
+          <a:p>
+            <a:pPr marL="285750" indent="-285750" algn="just">
+              <a:buFont typeface="Arial"/>
+              <a:buChar char="•"/>
+            </a:pPr>
+            <a:endParaRPr lang="en-GB" b="1" dirty="0">
+              <a:solidFill>
+                <a:srgbClr val="E0B122"/>
+              </a:solidFill>
+              <a:ea typeface="Calibri"/>
+              <a:cs typeface="Calibri"/>
+            </a:endParaRPr>
+          </a:p>
+        </p:txBody>
+      </p:sp>
+      <p:pic>
+        <p:nvPicPr>
+          <p:cNvPr id="3" name="Picture 5" descr="Graphical user interface, text, application&#10;&#10;Description automatically generated">
+            <a:extLst>
+              <a:ext uri="{FF2B5EF4-FFF2-40B4-BE49-F238E27FC236}">
+                <a16:creationId xmlns:a16="http://schemas.microsoft.com/office/drawing/2014/main" id="{7EA34E0D-A0C2-DA1F-566D-0B5CB60CB673}"/>
+              </a:ext>
+            </a:extLst>
+          </p:cNvPr>
+          <p:cNvPicPr>
+            <a:picLocks noChangeAspect="1"/>
+          </p:cNvPicPr>
+          <p:nvPr/>
+        </p:nvPicPr>
+        <p:blipFill>
+          <a:blip r:embed="rId3"/>
+          <a:stretch>
+            <a:fillRect/>
+          </a:stretch>
+        </p:blipFill>
+        <p:spPr>
+          <a:xfrm>
+            <a:off x="2448560" y="2195780"/>
+            <a:ext cx="7294880" cy="1267559"/>
+          </a:xfrm>
+          <a:prstGeom prst="rect">
+            <a:avLst/>
+          </a:prstGeom>
+        </p:spPr>
+      </p:pic>
+    </p:spTree>
+    <p:extLst>
+      <p:ext uri="{BB962C8B-B14F-4D97-AF65-F5344CB8AC3E}">
+        <p14:creationId xmlns:p14="http://schemas.microsoft.com/office/powerpoint/2010/main" val="1135817427"/>
+      </p:ext>
+    </p:extLst>
+  </p:cSld>
+  <p:clrMapOvr>
+    <a:masterClrMapping/>
+  </p:clrMapOvr>
+</p:sld>
+</file>
+
+<file path=ppt/slides/slide7.xml><?xml version="1.0" encoding="utf-8"?>
+<p:sld xmlns:a="http://schemas.openxmlformats.org/drawingml/2006/main" xmlns:r="http://schemas.openxmlformats.org/officeDocument/2006/relationships" xmlns:p="http://schemas.openxmlformats.org/presentationml/2006/main">
+  <p:cSld>
+    <p:spTree>
+      <p:nvGrpSpPr>
+        <p:cNvPr id="1" name=""/>
+        <p:cNvGrpSpPr/>
+        <p:nvPr/>
+      </p:nvGrpSpPr>
+      <p:grpSpPr>
+        <a:xfrm>
+          <a:off x="0" y="0"/>
+          <a:ext cx="0" cy="0"/>
+          <a:chOff x="0" y="0"/>
+          <a:chExt cx="0" cy="0"/>
+        </a:xfrm>
+      </p:grpSpPr>
+      <p:pic>
+        <p:nvPicPr>
+          <p:cNvPr id="4" name="Picture 4" descr="Background pattern&#10;&#10;Description automatically generated">
+            <a:extLst>
+              <a:ext uri="{FF2B5EF4-FFF2-40B4-BE49-F238E27FC236}">
+                <a16:creationId xmlns:a16="http://schemas.microsoft.com/office/drawing/2014/main" id="{9DDC747F-AEEE-51B4-E46F-7B7536C165CE}"/>
+              </a:ext>
+            </a:extLst>
+          </p:cNvPr>
+          <p:cNvPicPr>
+            <a:picLocks noGrp="1" noChangeAspect="1"/>
+          </p:cNvPicPr>
+          <p:nvPr>
+            <p:ph idx="1"/>
+          </p:nvPr>
+        </p:nvPicPr>
+        <p:blipFill rotWithShape="1">
+          <a:blip r:embed="rId2"/>
+          <a:srcRect t="-50" b="1610"/>
+          <a:stretch/>
+        </p:blipFill>
+        <p:spPr>
+          <a:xfrm>
+            <a:off x="-104" y="0"/>
+            <a:ext cx="12192207" cy="6861659"/>
+          </a:xfrm>
+        </p:spPr>
+      </p:pic>
+      <p:sp>
+        <p:nvSpPr>
+          <p:cNvPr id="2" name="Title 1">
+            <a:extLst>
+              <a:ext uri="{FF2B5EF4-FFF2-40B4-BE49-F238E27FC236}">
+                <a16:creationId xmlns:a16="http://schemas.microsoft.com/office/drawing/2014/main" id="{FD4CEDB4-93D7-9847-CC51-6DCBFD24989D}"/>
+              </a:ext>
+            </a:extLst>
+          </p:cNvPr>
+          <p:cNvSpPr>
+            <a:spLocks noGrp="1"/>
+          </p:cNvSpPr>
+          <p:nvPr>
+            <p:ph type="title"/>
+          </p:nvPr>
+        </p:nvSpPr>
+        <p:spPr>
+          <a:xfrm>
+            <a:off x="1092202" y="689"/>
+            <a:ext cx="9819860" cy="1347649"/>
+          </a:xfrm>
+        </p:spPr>
+        <p:txBody>
+          <a:bodyPr>
+            <a:normAutofit fontScale="90000"/>
+          </a:bodyPr>
+          <a:lstStyle/>
+          <a:p>
+            <a:pPr algn="ctr"/>
+            <a:r>
+              <a:rPr lang="en-GB" sz="3200" b="1" u="sng" dirty="0">
+                <a:solidFill>
+                  <a:srgbClr val="E0B122"/>
+                </a:solidFill>
+                <a:latin typeface="Times New Roman"/>
+                <a:ea typeface="Calibri Light" panose="020F0302020204030204"/>
+                <a:cs typeface="Calibri Light" panose="020F0302020204030204"/>
+              </a:rPr>
+              <a:t>Insight #6</a:t>
+            </a:r>
+            <a:br>
+              <a:rPr lang="en-GB" sz="3200" b="1" u="sng" dirty="0">
+                <a:solidFill>
+                  <a:srgbClr val="E0B122"/>
+                </a:solidFill>
+                <a:latin typeface="Times New Roman"/>
+                <a:ea typeface="Calibri Light" panose="020F0302020204030204"/>
+                <a:cs typeface="Calibri Light" panose="020F0302020204030204"/>
+              </a:rPr>
+            </a:br>
+            <a:r>
+              <a:rPr lang="en-GB" sz="3200" b="1" dirty="0">
+                <a:solidFill>
+                  <a:srgbClr val="E0B122"/>
+                </a:solidFill>
+                <a:latin typeface="Times New Roman"/>
+                <a:ea typeface="Calibri Light" panose="020F0302020204030204"/>
+                <a:cs typeface="Calibri Light" panose="020F0302020204030204"/>
+              </a:rPr>
+              <a:t>Customers Having Average High Pre-Invoice Discount in 2021</a:t>
+            </a:r>
+          </a:p>
+        </p:txBody>
+      </p:sp>
+      <p:sp>
+        <p:nvSpPr>
+          <p:cNvPr id="7" name="TextBox 6">
+            <a:extLst>
+              <a:ext uri="{FF2B5EF4-FFF2-40B4-BE49-F238E27FC236}">
+                <a16:creationId xmlns:a16="http://schemas.microsoft.com/office/drawing/2014/main" id="{229C8D92-AF62-7A6A-9596-B59026F9F262}"/>
+              </a:ext>
+            </a:extLst>
+          </p:cNvPr>
+          <p:cNvSpPr txBox="1"/>
+          <p:nvPr/>
+        </p:nvSpPr>
+        <p:spPr>
+          <a:xfrm>
+            <a:off x="3939429" y="3711492"/>
+            <a:ext cx="4121867" cy="369332"/>
+          </a:xfrm>
+          <a:prstGeom prst="rect">
+            <a:avLst/>
+          </a:prstGeom>
+          <a:noFill/>
+        </p:spPr>
+        <p:txBody>
+          <a:bodyPr rot="0" spcFirstLastPara="0" vertOverflow="overflow" horzOverflow="overflow" vert="horz" wrap="square" lIns="91440" tIns="45720" rIns="91440" bIns="45720" numCol="1" spcCol="0" rtlCol="0" fromWordArt="0" anchor="t" anchorCtr="0" forceAA="0" compatLnSpc="1">
+            <a:prstTxWarp prst="textNoShape">
+              <a:avLst/>
+            </a:prstTxWarp>
+            <a:spAutoFit/>
+          </a:bodyPr>
+          <a:lstStyle/>
+          <a:p>
+            <a:pPr marL="285750" indent="-285750" algn="just">
+              <a:buFont typeface="Arial"/>
+              <a:buChar char="•"/>
+            </a:pPr>
+            <a:endParaRPr lang="en-GB" b="1" dirty="0">
+              <a:solidFill>
+                <a:srgbClr val="E0B122"/>
+              </a:solidFill>
+              <a:ea typeface="Calibri"/>
+              <a:cs typeface="Calibri"/>
+            </a:endParaRPr>
+          </a:p>
+        </p:txBody>
+      </p:sp>
+      <p:pic>
+        <p:nvPicPr>
+          <p:cNvPr id="5" name="Picture 5" descr="Graphical user interface, table&#10;&#10;Description automatically generated">
+            <a:extLst>
+              <a:ext uri="{FF2B5EF4-FFF2-40B4-BE49-F238E27FC236}">
+                <a16:creationId xmlns:a16="http://schemas.microsoft.com/office/drawing/2014/main" id="{1F8EB494-E0D1-31CB-C45E-E82A73BAB386}"/>
+              </a:ext>
+            </a:extLst>
+          </p:cNvPr>
+          <p:cNvPicPr>
+            <a:picLocks noChangeAspect="1"/>
+          </p:cNvPicPr>
+          <p:nvPr/>
+        </p:nvPicPr>
+        <p:blipFill>
+          <a:blip r:embed="rId3"/>
+          <a:stretch>
+            <a:fillRect/>
+          </a:stretch>
+        </p:blipFill>
+        <p:spPr>
+          <a:xfrm>
+            <a:off x="2885440" y="1550494"/>
+            <a:ext cx="6421120" cy="2172053"/>
+          </a:xfrm>
+          <a:prstGeom prst="rect">
+            <a:avLst/>
+          </a:prstGeom>
+        </p:spPr>
+      </p:pic>
+      <p:sp>
+        <p:nvSpPr>
+          <p:cNvPr id="9" name="TextBox 8">
+            <a:extLst>
+              <a:ext uri="{FF2B5EF4-FFF2-40B4-BE49-F238E27FC236}">
+                <a16:creationId xmlns:a16="http://schemas.microsoft.com/office/drawing/2014/main" id="{835A5E98-4CB6-46FB-09C5-599F5D41DC8A}"/>
+              </a:ext>
+            </a:extLst>
+          </p:cNvPr>
+          <p:cNvSpPr txBox="1"/>
+          <p:nvPr/>
+        </p:nvSpPr>
+        <p:spPr>
+          <a:xfrm>
+            <a:off x="3939429" y="4087412"/>
+            <a:ext cx="4121867" cy="1200329"/>
+          </a:xfrm>
+          <a:prstGeom prst="rect">
+            <a:avLst/>
+          </a:prstGeom>
+          <a:noFill/>
+        </p:spPr>
+        <p:txBody>
+          <a:bodyPr rot="0" spcFirstLastPara="0" vertOverflow="overflow" horzOverflow="overflow" vert="horz" wrap="square" lIns="91440" tIns="45720" rIns="91440" bIns="45720" numCol="1" spcCol="0" rtlCol="0" fromWordArt="0" anchor="t" anchorCtr="0" forceAA="0" compatLnSpc="1">
+            <a:prstTxWarp prst="textNoShape">
+              <a:avLst/>
+            </a:prstTxWarp>
+            <a:spAutoFit/>
+          </a:bodyPr>
+          <a:lstStyle/>
+          <a:p>
+            <a:pPr marL="285750" indent="-285750" algn="ctr">
+              <a:buFont typeface="Arial"/>
+              <a:buChar char="•"/>
+            </a:pPr>
+            <a:r>
+              <a:rPr lang="en-GB" b="1" dirty="0">
+                <a:solidFill>
+                  <a:srgbClr val="E0B122"/>
+                </a:solidFill>
+                <a:cs typeface="Calibri"/>
+              </a:rPr>
+              <a:t>In F.Y. 2021, Flipkart had the highest pre invoice discount(0.3083%) followed by Viveks(0.3038%) and Ezone(0.3028%).</a:t>
+            </a:r>
+            <a:endParaRPr lang="en-GB" b="1" dirty="0">
+              <a:solidFill>
+                <a:srgbClr val="E0B122"/>
+              </a:solidFill>
+              <a:ea typeface="Calibri"/>
+              <a:cs typeface="Calibri"/>
+            </a:endParaRPr>
+          </a:p>
+        </p:txBody>
+      </p:sp>
+    </p:spTree>
+    <p:extLst>
+      <p:ext uri="{BB962C8B-B14F-4D97-AF65-F5344CB8AC3E}">
+        <p14:creationId xmlns:p14="http://schemas.microsoft.com/office/powerpoint/2010/main" val="3462080046"/>
       </p:ext>
     </p:extLst>
   </p:cSld>

--- a/ad_hoc req deliverables/Presentation1.pptx
+++ b/ad_hoc req deliverables/Presentation1.pptx
@@ -12,6 +12,11 @@
     <p:sldId id="260" r:id="rId6"/>
     <p:sldId id="261" r:id="rId7"/>
     <p:sldId id="262" r:id="rId8"/>
+    <p:sldId id="263" r:id="rId9"/>
+    <p:sldId id="264" r:id="rId10"/>
+    <p:sldId id="265" r:id="rId11"/>
+    <p:sldId id="266" r:id="rId12"/>
+    <p:sldId id="267" r:id="rId13"/>
   </p:sldIdLst>
   <p:sldSz cx="12192000" cy="6858000"/>
   <p:notesSz cx="6858000" cy="9144000"/>
@@ -122,6 +127,7 @@
 <p1510:revInfo xmlns:a="http://schemas.openxmlformats.org/drawingml/2006/main" xmlns:r="http://schemas.openxmlformats.org/officeDocument/2006/relationships" xmlns:p1510="http://schemas.microsoft.com/office/powerpoint/2015/10/main">
   <p1510:revLst>
     <p1510:client id="{2C7282B0-FEE9-4DE9-A5E6-66D83CE9E9EC}" v="608" dt="2023-02-12T07:56:19.577"/>
+    <p1510:client id="{425F3B62-B7BF-4894-88CA-8804EC9AC4C7}" v="818" dt="2023-02-14T04:53:24.762"/>
     <p1510:client id="{835A146D-A820-493C-A400-A7A115972E2F}" v="222" dt="2023-02-11T07:53:16.751"/>
     <p1510:client id="{853DAFF4-249E-47E7-AB57-747A21442B4C}" v="211" dt="2023-02-10T13:04:30.921"/>
     <p1510:client id="{85E5C896-F3D5-4EEE-9EEF-42CDF3633119}" v="278" dt="2023-02-13T05:44:02.134"/>
@@ -393,6 +399,266 @@
             <pc:docMk/>
             <pc:sldMk cId="3462080046" sldId="262"/>
             <ac:picMk id="5" creationId="{1F8EB494-E0D1-31CB-C45E-E82A73BAB386}"/>
+          </ac:picMkLst>
+        </pc:picChg>
+      </pc:sldChg>
+    </pc:docChg>
+  </pc:docChgLst>
+  <pc:docChgLst>
+    <pc:chgData name="PROTYOY PRITAM GOSWAMI" userId="45558ea2eef40647" providerId="Windows Live" clId="Web-{425F3B62-B7BF-4894-88CA-8804EC9AC4C7}"/>
+    <pc:docChg chg="addSld modSld">
+      <pc:chgData name="PROTYOY PRITAM GOSWAMI" userId="45558ea2eef40647" providerId="Windows Live" clId="Web-{425F3B62-B7BF-4894-88CA-8804EC9AC4C7}" dt="2023-02-14T04:53:24.762" v="499" actId="1076"/>
+      <pc:docMkLst>
+        <pc:docMk/>
+      </pc:docMkLst>
+      <pc:sldChg chg="addSp delSp modSp add replId">
+        <pc:chgData name="PROTYOY PRITAM GOSWAMI" userId="45558ea2eef40647" providerId="Windows Live" clId="Web-{425F3B62-B7BF-4894-88CA-8804EC9AC4C7}" dt="2023-02-14T04:36:03.089" v="159" actId="1076"/>
+        <pc:sldMkLst>
+          <pc:docMk/>
+          <pc:sldMk cId="1063890088" sldId="263"/>
+        </pc:sldMkLst>
+        <pc:spChg chg="mod">
+          <ac:chgData name="PROTYOY PRITAM GOSWAMI" userId="45558ea2eef40647" providerId="Windows Live" clId="Web-{425F3B62-B7BF-4894-88CA-8804EC9AC4C7}" dt="2023-02-14T04:35:44.838" v="156" actId="20577"/>
+          <ac:spMkLst>
+            <pc:docMk/>
+            <pc:sldMk cId="1063890088" sldId="263"/>
+            <ac:spMk id="2" creationId="{FD4CEDB4-93D7-9847-CC51-6DCBFD24989D}"/>
+          </ac:spMkLst>
+        </pc:spChg>
+        <pc:spChg chg="del">
+          <ac:chgData name="PROTYOY PRITAM GOSWAMI" userId="45558ea2eef40647" providerId="Windows Live" clId="Web-{425F3B62-B7BF-4894-88CA-8804EC9AC4C7}" dt="2023-02-14T04:35:52.838" v="157"/>
+          <ac:spMkLst>
+            <pc:docMk/>
+            <pc:sldMk cId="1063890088" sldId="263"/>
+            <ac:spMk id="7" creationId="{229C8D92-AF62-7A6A-9596-B59026F9F262}"/>
+          </ac:spMkLst>
+        </pc:spChg>
+        <pc:spChg chg="mod">
+          <ac:chgData name="PROTYOY PRITAM GOSWAMI" userId="45558ea2eef40647" providerId="Windows Live" clId="Web-{425F3B62-B7BF-4894-88CA-8804EC9AC4C7}" dt="2023-02-14T04:35:41.072" v="155" actId="20577"/>
+          <ac:spMkLst>
+            <pc:docMk/>
+            <pc:sldMk cId="1063890088" sldId="263"/>
+            <ac:spMk id="9" creationId="{835A5E98-4CB6-46FB-09C5-599F5D41DC8A}"/>
+          </ac:spMkLst>
+        </pc:spChg>
+        <pc:picChg chg="add mod">
+          <ac:chgData name="PROTYOY PRITAM GOSWAMI" userId="45558ea2eef40647" providerId="Windows Live" clId="Web-{425F3B62-B7BF-4894-88CA-8804EC9AC4C7}" dt="2023-02-14T04:36:03.089" v="159" actId="1076"/>
+          <ac:picMkLst>
+            <pc:docMk/>
+            <pc:sldMk cId="1063890088" sldId="263"/>
+            <ac:picMk id="3" creationId="{DAF47865-5394-E693-27F1-C194C12B8DEF}"/>
+          </ac:picMkLst>
+        </pc:picChg>
+        <pc:picChg chg="del">
+          <ac:chgData name="PROTYOY PRITAM GOSWAMI" userId="45558ea2eef40647" providerId="Windows Live" clId="Web-{425F3B62-B7BF-4894-88CA-8804EC9AC4C7}" dt="2023-02-14T04:29:59.765" v="21"/>
+          <ac:picMkLst>
+            <pc:docMk/>
+            <pc:sldMk cId="1063890088" sldId="263"/>
+            <ac:picMk id="5" creationId="{1F8EB494-E0D1-31CB-C45E-E82A73BAB386}"/>
+          </ac:picMkLst>
+        </pc:picChg>
+        <pc:picChg chg="add mod">
+          <ac:chgData name="PROTYOY PRITAM GOSWAMI" userId="45558ea2eef40647" providerId="Windows Live" clId="Web-{425F3B62-B7BF-4894-88CA-8804EC9AC4C7}" dt="2023-02-14T04:30:50.313" v="24" actId="1076"/>
+          <ac:picMkLst>
+            <pc:docMk/>
+            <pc:sldMk cId="1063890088" sldId="263"/>
+            <ac:picMk id="6" creationId="{F04BD386-80B8-A9D1-F4EB-A131A917E845}"/>
+          </ac:picMkLst>
+        </pc:picChg>
+      </pc:sldChg>
+      <pc:sldChg chg="addSp delSp modSp add replId">
+        <pc:chgData name="PROTYOY PRITAM GOSWAMI" userId="45558ea2eef40647" providerId="Windows Live" clId="Web-{425F3B62-B7BF-4894-88CA-8804EC9AC4C7}" dt="2023-02-14T04:40:28.644" v="278" actId="20577"/>
+        <pc:sldMkLst>
+          <pc:docMk/>
+          <pc:sldMk cId="2532941317" sldId="264"/>
+        </pc:sldMkLst>
+        <pc:spChg chg="mod">
+          <ac:chgData name="PROTYOY PRITAM GOSWAMI" userId="45558ea2eef40647" providerId="Windows Live" clId="Web-{425F3B62-B7BF-4894-88CA-8804EC9AC4C7}" dt="2023-02-14T04:40:28.644" v="278" actId="20577"/>
+          <ac:spMkLst>
+            <pc:docMk/>
+            <pc:sldMk cId="2532941317" sldId="264"/>
+            <ac:spMk id="2" creationId="{FD4CEDB4-93D7-9847-CC51-6DCBFD24989D}"/>
+          </ac:spMkLst>
+        </pc:spChg>
+        <pc:spChg chg="mod">
+          <ac:chgData name="PROTYOY PRITAM GOSWAMI" userId="45558ea2eef40647" providerId="Windows Live" clId="Web-{425F3B62-B7BF-4894-88CA-8804EC9AC4C7}" dt="2023-02-14T04:40:17.815" v="274" actId="1076"/>
+          <ac:spMkLst>
+            <pc:docMk/>
+            <pc:sldMk cId="2532941317" sldId="264"/>
+            <ac:spMk id="9" creationId="{835A5E98-4CB6-46FB-09C5-599F5D41DC8A}"/>
+          </ac:spMkLst>
+        </pc:spChg>
+        <pc:picChg chg="del">
+          <ac:chgData name="PROTYOY PRITAM GOSWAMI" userId="45558ea2eef40647" providerId="Windows Live" clId="Web-{425F3B62-B7BF-4894-88CA-8804EC9AC4C7}" dt="2023-02-14T04:37:08.497" v="186"/>
+          <ac:picMkLst>
+            <pc:docMk/>
+            <pc:sldMk cId="2532941317" sldId="264"/>
+            <ac:picMk id="3" creationId="{DAF47865-5394-E693-27F1-C194C12B8DEF}"/>
+          </ac:picMkLst>
+        </pc:picChg>
+        <pc:picChg chg="add mod">
+          <ac:chgData name="PROTYOY PRITAM GOSWAMI" userId="45558ea2eef40647" providerId="Windows Live" clId="Web-{425F3B62-B7BF-4894-88CA-8804EC9AC4C7}" dt="2023-02-14T04:38:38.250" v="206" actId="1076"/>
+          <ac:picMkLst>
+            <pc:docMk/>
+            <pc:sldMk cId="2532941317" sldId="264"/>
+            <ac:picMk id="5" creationId="{6E8D0A89-8920-113B-72FC-AB02835A12A8}"/>
+          </ac:picMkLst>
+        </pc:picChg>
+        <pc:picChg chg="del">
+          <ac:chgData name="PROTYOY PRITAM GOSWAMI" userId="45558ea2eef40647" providerId="Windows Live" clId="Web-{425F3B62-B7BF-4894-88CA-8804EC9AC4C7}" dt="2023-02-14T04:37:06.622" v="185"/>
+          <ac:picMkLst>
+            <pc:docMk/>
+            <pc:sldMk cId="2532941317" sldId="264"/>
+            <ac:picMk id="6" creationId="{F04BD386-80B8-A9D1-F4EB-A131A917E845}"/>
+          </ac:picMkLst>
+        </pc:picChg>
+        <pc:picChg chg="add mod">
+          <ac:chgData name="PROTYOY PRITAM GOSWAMI" userId="45558ea2eef40647" providerId="Windows Live" clId="Web-{425F3B62-B7BF-4894-88CA-8804EC9AC4C7}" dt="2023-02-14T04:38:38.234" v="205" actId="1076"/>
+          <ac:picMkLst>
+            <pc:docMk/>
+            <pc:sldMk cId="2532941317" sldId="264"/>
+            <ac:picMk id="7" creationId="{137E6705-683C-53FA-FF32-79743F11DE5F}"/>
+          </ac:picMkLst>
+        </pc:picChg>
+      </pc:sldChg>
+      <pc:sldChg chg="addSp delSp modSp add replId">
+        <pc:chgData name="PROTYOY PRITAM GOSWAMI" userId="45558ea2eef40647" providerId="Windows Live" clId="Web-{425F3B62-B7BF-4894-88CA-8804EC9AC4C7}" dt="2023-02-14T04:46:24.186" v="451" actId="20577"/>
+        <pc:sldMkLst>
+          <pc:docMk/>
+          <pc:sldMk cId="2443940084" sldId="265"/>
+        </pc:sldMkLst>
+        <pc:spChg chg="mod">
+          <ac:chgData name="PROTYOY PRITAM GOSWAMI" userId="45558ea2eef40647" providerId="Windows Live" clId="Web-{425F3B62-B7BF-4894-88CA-8804EC9AC4C7}" dt="2023-02-14T04:42:19.991" v="297" actId="20577"/>
+          <ac:spMkLst>
+            <pc:docMk/>
+            <pc:sldMk cId="2443940084" sldId="265"/>
+            <ac:spMk id="2" creationId="{FD4CEDB4-93D7-9847-CC51-6DCBFD24989D}"/>
+          </ac:spMkLst>
+        </pc:spChg>
+        <pc:spChg chg="mod">
+          <ac:chgData name="PROTYOY PRITAM GOSWAMI" userId="45558ea2eef40647" providerId="Windows Live" clId="Web-{425F3B62-B7BF-4894-88CA-8804EC9AC4C7}" dt="2023-02-14T04:46:24.186" v="451" actId="20577"/>
+          <ac:spMkLst>
+            <pc:docMk/>
+            <pc:sldMk cId="2443940084" sldId="265"/>
+            <ac:spMk id="9" creationId="{835A5E98-4CB6-46FB-09C5-599F5D41DC8A}"/>
+          </ac:spMkLst>
+        </pc:spChg>
+        <pc:picChg chg="add mod">
+          <ac:chgData name="PROTYOY PRITAM GOSWAMI" userId="45558ea2eef40647" providerId="Windows Live" clId="Web-{425F3B62-B7BF-4894-88CA-8804EC9AC4C7}" dt="2023-02-14T04:43:04.149" v="312" actId="1076"/>
+          <ac:picMkLst>
+            <pc:docMk/>
+            <pc:sldMk cId="2443940084" sldId="265"/>
+            <ac:picMk id="3" creationId="{E47ACBD6-A683-B73E-E49F-5503FF1E5547}"/>
+          </ac:picMkLst>
+        </pc:picChg>
+        <pc:picChg chg="del">
+          <ac:chgData name="PROTYOY PRITAM GOSWAMI" userId="45558ea2eef40647" providerId="Windows Live" clId="Web-{425F3B62-B7BF-4894-88CA-8804EC9AC4C7}" dt="2023-02-14T04:42:22.788" v="299"/>
+          <ac:picMkLst>
+            <pc:docMk/>
+            <pc:sldMk cId="2443940084" sldId="265"/>
+            <ac:picMk id="5" creationId="{6E8D0A89-8920-113B-72FC-AB02835A12A8}"/>
+          </ac:picMkLst>
+        </pc:picChg>
+        <pc:picChg chg="add mod">
+          <ac:chgData name="PROTYOY PRITAM GOSWAMI" userId="45558ea2eef40647" providerId="Windows Live" clId="Web-{425F3B62-B7BF-4894-88CA-8804EC9AC4C7}" dt="2023-02-14T04:43:16.024" v="315" actId="1076"/>
+          <ac:picMkLst>
+            <pc:docMk/>
+            <pc:sldMk cId="2443940084" sldId="265"/>
+            <ac:picMk id="6" creationId="{DDAEC7D6-8643-6C08-68D4-AE6346F1D4E7}"/>
+          </ac:picMkLst>
+        </pc:picChg>
+        <pc:picChg chg="del">
+          <ac:chgData name="PROTYOY PRITAM GOSWAMI" userId="45558ea2eef40647" providerId="Windows Live" clId="Web-{425F3B62-B7BF-4894-88CA-8804EC9AC4C7}" dt="2023-02-14T04:42:22.788" v="298"/>
+          <ac:picMkLst>
+            <pc:docMk/>
+            <pc:sldMk cId="2443940084" sldId="265"/>
+            <ac:picMk id="7" creationId="{137E6705-683C-53FA-FF32-79743F11DE5F}"/>
+          </ac:picMkLst>
+        </pc:picChg>
+      </pc:sldChg>
+      <pc:sldChg chg="addSp delSp modSp add replId">
+        <pc:chgData name="PROTYOY PRITAM GOSWAMI" userId="45558ea2eef40647" providerId="Windows Live" clId="Web-{425F3B62-B7BF-4894-88CA-8804EC9AC4C7}" dt="2023-02-14T04:52:16.869" v="483" actId="1076"/>
+        <pc:sldMkLst>
+          <pc:docMk/>
+          <pc:sldMk cId="2555709012" sldId="266"/>
+        </pc:sldMkLst>
+        <pc:spChg chg="mod">
+          <ac:chgData name="PROTYOY PRITAM GOSWAMI" userId="45558ea2eef40647" providerId="Windows Live" clId="Web-{425F3B62-B7BF-4894-88CA-8804EC9AC4C7}" dt="2023-02-14T04:47:50.392" v="456" actId="20577"/>
+          <ac:spMkLst>
+            <pc:docMk/>
+            <pc:sldMk cId="2555709012" sldId="266"/>
+            <ac:spMk id="2" creationId="{FD4CEDB4-93D7-9847-CC51-6DCBFD24989D}"/>
+          </ac:spMkLst>
+        </pc:spChg>
+        <pc:spChg chg="del mod">
+          <ac:chgData name="PROTYOY PRITAM GOSWAMI" userId="45558ea2eef40647" providerId="Windows Live" clId="Web-{425F3B62-B7BF-4894-88CA-8804EC9AC4C7}" dt="2023-02-14T04:51:54.400" v="479"/>
+          <ac:spMkLst>
+            <pc:docMk/>
+            <pc:sldMk cId="2555709012" sldId="266"/>
+            <ac:spMk id="9" creationId="{835A5E98-4CB6-46FB-09C5-599F5D41DC8A}"/>
+          </ac:spMkLst>
+        </pc:spChg>
+        <pc:picChg chg="del">
+          <ac:chgData name="PROTYOY PRITAM GOSWAMI" userId="45558ea2eef40647" providerId="Windows Live" clId="Web-{425F3B62-B7BF-4894-88CA-8804EC9AC4C7}" dt="2023-02-14T04:47:53.345" v="458"/>
+          <ac:picMkLst>
+            <pc:docMk/>
+            <pc:sldMk cId="2555709012" sldId="266"/>
+            <ac:picMk id="3" creationId="{E47ACBD6-A683-B73E-E49F-5503FF1E5547}"/>
+          </ac:picMkLst>
+        </pc:picChg>
+        <pc:picChg chg="add mod">
+          <ac:chgData name="PROTYOY PRITAM GOSWAMI" userId="45558ea2eef40647" providerId="Windows Live" clId="Web-{425F3B62-B7BF-4894-88CA-8804EC9AC4C7}" dt="2023-02-14T04:52:16.869" v="482" actId="1076"/>
+          <ac:picMkLst>
+            <pc:docMk/>
+            <pc:sldMk cId="2555709012" sldId="266"/>
+            <ac:picMk id="5" creationId="{5DD1377F-DE22-57BA-FD0E-A7AE463E1C33}"/>
+          </ac:picMkLst>
+        </pc:picChg>
+        <pc:picChg chg="del">
+          <ac:chgData name="PROTYOY PRITAM GOSWAMI" userId="45558ea2eef40647" providerId="Windows Live" clId="Web-{425F3B62-B7BF-4894-88CA-8804EC9AC4C7}" dt="2023-02-14T04:47:53.345" v="457"/>
+          <ac:picMkLst>
+            <pc:docMk/>
+            <pc:sldMk cId="2555709012" sldId="266"/>
+            <ac:picMk id="6" creationId="{DDAEC7D6-8643-6C08-68D4-AE6346F1D4E7}"/>
+          </ac:picMkLst>
+        </pc:picChg>
+        <pc:picChg chg="add mod">
+          <ac:chgData name="PROTYOY PRITAM GOSWAMI" userId="45558ea2eef40647" providerId="Windows Live" clId="Web-{425F3B62-B7BF-4894-88CA-8804EC9AC4C7}" dt="2023-02-14T04:52:16.869" v="483" actId="1076"/>
+          <ac:picMkLst>
+            <pc:docMk/>
+            <pc:sldMk cId="2555709012" sldId="266"/>
+            <ac:picMk id="7" creationId="{4E0E467C-E86C-9570-9C59-AB048608AD78}"/>
+          </ac:picMkLst>
+        </pc:picChg>
+      </pc:sldChg>
+      <pc:sldChg chg="delSp modSp add replId">
+        <pc:chgData name="PROTYOY PRITAM GOSWAMI" userId="45558ea2eef40647" providerId="Windows Live" clId="Web-{425F3B62-B7BF-4894-88CA-8804EC9AC4C7}" dt="2023-02-14T04:53:24.762" v="499" actId="1076"/>
+        <pc:sldMkLst>
+          <pc:docMk/>
+          <pc:sldMk cId="1101599268" sldId="267"/>
+        </pc:sldMkLst>
+        <pc:spChg chg="mod">
+          <ac:chgData name="PROTYOY PRITAM GOSWAMI" userId="45558ea2eef40647" providerId="Windows Live" clId="Web-{425F3B62-B7BF-4894-88CA-8804EC9AC4C7}" dt="2023-02-14T04:53:24.762" v="499" actId="1076"/>
+          <ac:spMkLst>
+            <pc:docMk/>
+            <pc:sldMk cId="1101599268" sldId="267"/>
+            <ac:spMk id="2" creationId="{FD4CEDB4-93D7-9847-CC51-6DCBFD24989D}"/>
+          </ac:spMkLst>
+        </pc:spChg>
+        <pc:picChg chg="del">
+          <ac:chgData name="PROTYOY PRITAM GOSWAMI" userId="45558ea2eef40647" providerId="Windows Live" clId="Web-{425F3B62-B7BF-4894-88CA-8804EC9AC4C7}" dt="2023-02-14T04:52:27.698" v="486"/>
+          <ac:picMkLst>
+            <pc:docMk/>
+            <pc:sldMk cId="1101599268" sldId="267"/>
+            <ac:picMk id="5" creationId="{5DD1377F-DE22-57BA-FD0E-A7AE463E1C33}"/>
+          </ac:picMkLst>
+        </pc:picChg>
+        <pc:picChg chg="del">
+          <ac:chgData name="PROTYOY PRITAM GOSWAMI" userId="45558ea2eef40647" providerId="Windows Live" clId="Web-{425F3B62-B7BF-4894-88CA-8804EC9AC4C7}" dt="2023-02-14T04:52:27.698" v="485"/>
+          <ac:picMkLst>
+            <pc:docMk/>
+            <pc:sldMk cId="1101599268" sldId="267"/>
+            <ac:picMk id="7" creationId="{4E0E467C-E86C-9570-9C59-AB048608AD78}"/>
           </ac:picMkLst>
         </pc:picChg>
       </pc:sldChg>
@@ -874,7 +1140,7 @@
           <a:p>
             <a:fld id="{846CE7D5-CF57-46EF-B807-FDD0502418D4}" type="datetimeFigureOut">
               <a:rPr lang="en-GB" smtClean="0"/>
-              <a:t>12/02/2023</a:t>
+              <a:t>13/02/2023</a:t>
             </a:fld>
             <a:endParaRPr lang="en-GB"/>
           </a:p>
@@ -1044,7 +1310,7 @@
           <a:p>
             <a:fld id="{846CE7D5-CF57-46EF-B807-FDD0502418D4}" type="datetimeFigureOut">
               <a:rPr lang="en-GB" smtClean="0"/>
-              <a:t>12/02/2023</a:t>
+              <a:t>13/02/2023</a:t>
             </a:fld>
             <a:endParaRPr lang="en-GB"/>
           </a:p>
@@ -1224,7 +1490,7 @@
           <a:p>
             <a:fld id="{846CE7D5-CF57-46EF-B807-FDD0502418D4}" type="datetimeFigureOut">
               <a:rPr lang="en-GB" smtClean="0"/>
-              <a:t>12/02/2023</a:t>
+              <a:t>13/02/2023</a:t>
             </a:fld>
             <a:endParaRPr lang="en-GB"/>
           </a:p>
@@ -1394,7 +1660,7 @@
           <a:p>
             <a:fld id="{846CE7D5-CF57-46EF-B807-FDD0502418D4}" type="datetimeFigureOut">
               <a:rPr lang="en-GB" smtClean="0"/>
-              <a:t>12/02/2023</a:t>
+              <a:t>13/02/2023</a:t>
             </a:fld>
             <a:endParaRPr lang="en-GB"/>
           </a:p>
@@ -1640,7 +1906,7 @@
           <a:p>
             <a:fld id="{846CE7D5-CF57-46EF-B807-FDD0502418D4}" type="datetimeFigureOut">
               <a:rPr lang="en-GB" smtClean="0"/>
-              <a:t>12/02/2023</a:t>
+              <a:t>13/02/2023</a:t>
             </a:fld>
             <a:endParaRPr lang="en-GB"/>
           </a:p>
@@ -1872,7 +2138,7 @@
           <a:p>
             <a:fld id="{846CE7D5-CF57-46EF-B807-FDD0502418D4}" type="datetimeFigureOut">
               <a:rPr lang="en-GB" smtClean="0"/>
-              <a:t>12/02/2023</a:t>
+              <a:t>13/02/2023</a:t>
             </a:fld>
             <a:endParaRPr lang="en-GB"/>
           </a:p>
@@ -2239,7 +2505,7 @@
           <a:p>
             <a:fld id="{846CE7D5-CF57-46EF-B807-FDD0502418D4}" type="datetimeFigureOut">
               <a:rPr lang="en-GB" smtClean="0"/>
-              <a:t>12/02/2023</a:t>
+              <a:t>13/02/2023</a:t>
             </a:fld>
             <a:endParaRPr lang="en-GB"/>
           </a:p>
@@ -2357,7 +2623,7 @@
           <a:p>
             <a:fld id="{846CE7D5-CF57-46EF-B807-FDD0502418D4}" type="datetimeFigureOut">
               <a:rPr lang="en-GB" smtClean="0"/>
-              <a:t>12/02/2023</a:t>
+              <a:t>13/02/2023</a:t>
             </a:fld>
             <a:endParaRPr lang="en-GB"/>
           </a:p>
@@ -2452,7 +2718,7 @@
           <a:p>
             <a:fld id="{846CE7D5-CF57-46EF-B807-FDD0502418D4}" type="datetimeFigureOut">
               <a:rPr lang="en-GB" smtClean="0"/>
-              <a:t>12/02/2023</a:t>
+              <a:t>13/02/2023</a:t>
             </a:fld>
             <a:endParaRPr lang="en-GB"/>
           </a:p>
@@ -2729,7 +2995,7 @@
           <a:p>
             <a:fld id="{846CE7D5-CF57-46EF-B807-FDD0502418D4}" type="datetimeFigureOut">
               <a:rPr lang="en-GB" smtClean="0"/>
-              <a:t>12/02/2023</a:t>
+              <a:t>13/02/2023</a:t>
             </a:fld>
             <a:endParaRPr lang="en-GB"/>
           </a:p>
@@ -2986,7 +3252,7 @@
           <a:p>
             <a:fld id="{846CE7D5-CF57-46EF-B807-FDD0502418D4}" type="datetimeFigureOut">
               <a:rPr lang="en-GB" smtClean="0"/>
-              <a:t>12/02/2023</a:t>
+              <a:t>13/02/2023</a:t>
             </a:fld>
             <a:endParaRPr lang="en-GB"/>
           </a:p>
@@ -3199,7 +3465,7 @@
           <a:p>
             <a:fld id="{846CE7D5-CF57-46EF-B807-FDD0502418D4}" type="datetimeFigureOut">
               <a:rPr lang="en-GB" smtClean="0"/>
-              <a:t>12/02/2023</a:t>
+              <a:t>13/02/2023</a:t>
             </a:fld>
             <a:endParaRPr lang="en-GB"/>
           </a:p>
@@ -5604,6 +5870,525 @@
 </p:sld>
 </file>
 
+<file path=ppt/slides/slide10.xml><?xml version="1.0" encoding="utf-8"?>
+<p:sld xmlns:a="http://schemas.openxmlformats.org/drawingml/2006/main" xmlns:r="http://schemas.openxmlformats.org/officeDocument/2006/relationships" xmlns:p="http://schemas.openxmlformats.org/presentationml/2006/main">
+  <p:cSld>
+    <p:spTree>
+      <p:nvGrpSpPr>
+        <p:cNvPr id="1" name=""/>
+        <p:cNvGrpSpPr/>
+        <p:nvPr/>
+      </p:nvGrpSpPr>
+      <p:grpSpPr>
+        <a:xfrm>
+          <a:off x="0" y="0"/>
+          <a:ext cx="0" cy="0"/>
+          <a:chOff x="0" y="0"/>
+          <a:chExt cx="0" cy="0"/>
+        </a:xfrm>
+      </p:grpSpPr>
+      <p:pic>
+        <p:nvPicPr>
+          <p:cNvPr id="4" name="Picture 4" descr="Background pattern&#10;&#10;Description automatically generated">
+            <a:extLst>
+              <a:ext uri="{FF2B5EF4-FFF2-40B4-BE49-F238E27FC236}">
+                <a16:creationId xmlns:a16="http://schemas.microsoft.com/office/drawing/2014/main" id="{9DDC747F-AEEE-51B4-E46F-7B7536C165CE}"/>
+              </a:ext>
+            </a:extLst>
+          </p:cNvPr>
+          <p:cNvPicPr>
+            <a:picLocks noGrp="1" noChangeAspect="1"/>
+          </p:cNvPicPr>
+          <p:nvPr>
+            <p:ph idx="1"/>
+          </p:nvPr>
+        </p:nvPicPr>
+        <p:blipFill rotWithShape="1">
+          <a:blip r:embed="rId2"/>
+          <a:srcRect t="-50" b="1610"/>
+          <a:stretch/>
+        </p:blipFill>
+        <p:spPr>
+          <a:xfrm>
+            <a:off x="-104" y="0"/>
+            <a:ext cx="12192207" cy="6861659"/>
+          </a:xfrm>
+        </p:spPr>
+      </p:pic>
+      <p:sp>
+        <p:nvSpPr>
+          <p:cNvPr id="2" name="Title 1">
+            <a:extLst>
+              <a:ext uri="{FF2B5EF4-FFF2-40B4-BE49-F238E27FC236}">
+                <a16:creationId xmlns:a16="http://schemas.microsoft.com/office/drawing/2014/main" id="{FD4CEDB4-93D7-9847-CC51-6DCBFD24989D}"/>
+              </a:ext>
+            </a:extLst>
+          </p:cNvPr>
+          <p:cNvSpPr>
+            <a:spLocks noGrp="1"/>
+          </p:cNvSpPr>
+          <p:nvPr>
+            <p:ph type="title"/>
+          </p:nvPr>
+        </p:nvSpPr>
+        <p:spPr>
+          <a:xfrm>
+            <a:off x="1092202" y="689"/>
+            <a:ext cx="9819860" cy="1347649"/>
+          </a:xfrm>
+        </p:spPr>
+        <p:txBody>
+          <a:bodyPr>
+            <a:normAutofit/>
+          </a:bodyPr>
+          <a:lstStyle/>
+          <a:p>
+            <a:pPr algn="ctr"/>
+            <a:r>
+              <a:rPr lang="en-GB" sz="3200" b="1" u="sng" dirty="0">
+                <a:solidFill>
+                  <a:srgbClr val="E0B122"/>
+                </a:solidFill>
+                <a:latin typeface="Times New Roman"/>
+                <a:ea typeface="Calibri Light" panose="020F0302020204030204"/>
+                <a:cs typeface="Calibri Light" panose="020F0302020204030204"/>
+              </a:rPr>
+              <a:t>Insight #9</a:t>
+            </a:r>
+            <a:br>
+              <a:rPr lang="en-GB" sz="3200" b="1" u="sng" dirty="0">
+                <a:solidFill>
+                  <a:srgbClr val="E0B122"/>
+                </a:solidFill>
+                <a:latin typeface="Times New Roman"/>
+                <a:ea typeface="Calibri Light" panose="020F0302020204030204"/>
+                <a:cs typeface="Calibri Light" panose="020F0302020204030204"/>
+              </a:rPr>
+            </a:br>
+            <a:r>
+              <a:rPr lang="en-GB" sz="3200" b="1" dirty="0">
+                <a:solidFill>
+                  <a:srgbClr val="E0B122"/>
+                </a:solidFill>
+                <a:latin typeface="Times New Roman"/>
+                <a:ea typeface="Calibri Light" panose="020F0302020204030204"/>
+                <a:cs typeface="Calibri Light" panose="020F0302020204030204"/>
+              </a:rPr>
+              <a:t>Gross Sales by Channel in F.Y. - 2021</a:t>
+            </a:r>
+          </a:p>
+        </p:txBody>
+      </p:sp>
+      <p:sp>
+        <p:nvSpPr>
+          <p:cNvPr id="9" name="TextBox 8">
+            <a:extLst>
+              <a:ext uri="{FF2B5EF4-FFF2-40B4-BE49-F238E27FC236}">
+                <a16:creationId xmlns:a16="http://schemas.microsoft.com/office/drawing/2014/main" id="{835A5E98-4CB6-46FB-09C5-599F5D41DC8A}"/>
+              </a:ext>
+            </a:extLst>
+          </p:cNvPr>
+          <p:cNvSpPr txBox="1"/>
+          <p:nvPr/>
+        </p:nvSpPr>
+        <p:spPr>
+          <a:xfrm>
+            <a:off x="2172472" y="4230976"/>
+            <a:ext cx="7655780" cy="923330"/>
+          </a:xfrm>
+          <a:prstGeom prst="rect">
+            <a:avLst/>
+          </a:prstGeom>
+          <a:noFill/>
+        </p:spPr>
+        <p:txBody>
+          <a:bodyPr rot="0" spcFirstLastPara="0" vertOverflow="overflow" horzOverflow="overflow" vert="horz" wrap="square" lIns="91440" tIns="45720" rIns="91440" bIns="45720" numCol="1" spcCol="0" rtlCol="0" fromWordArt="0" anchor="t" anchorCtr="0" forceAA="0" compatLnSpc="1">
+            <a:prstTxWarp prst="textNoShape">
+              <a:avLst/>
+            </a:prstTxWarp>
+            <a:spAutoFit/>
+          </a:bodyPr>
+          <a:lstStyle/>
+          <a:p>
+            <a:pPr marL="285750" indent="-285750" algn="ctr">
+              <a:buFont typeface="Arial"/>
+              <a:buChar char="•"/>
+            </a:pPr>
+            <a:r>
+              <a:rPr lang="en-GB" b="1" dirty="0">
+                <a:solidFill>
+                  <a:srgbClr val="E0B122"/>
+                </a:solidFill>
+                <a:cs typeface="Calibri"/>
+              </a:rPr>
+              <a:t>In F.Y. - 2021, Retailer channel brought the highest sales (₹1924.17 Mn.) while Distributor brought the lowest sales (₹297.18 Mn.). They both add up to 73.22% and 11.31% of Net Gross Sales respectively.</a:t>
+            </a:r>
+            <a:endParaRPr lang="en-GB" b="1" dirty="0">
+              <a:solidFill>
+                <a:srgbClr val="E0B122"/>
+              </a:solidFill>
+              <a:ea typeface="Calibri"/>
+              <a:cs typeface="Calibri"/>
+            </a:endParaRPr>
+          </a:p>
+        </p:txBody>
+      </p:sp>
+      <p:pic>
+        <p:nvPicPr>
+          <p:cNvPr id="3" name="Picture 5" descr="Chart, bar chart, waterfall chart&#10;&#10;Description automatically generated">
+            <a:extLst>
+              <a:ext uri="{FF2B5EF4-FFF2-40B4-BE49-F238E27FC236}">
+                <a16:creationId xmlns:a16="http://schemas.microsoft.com/office/drawing/2014/main" id="{E47ACBD6-A683-B73E-E49F-5503FF1E5547}"/>
+              </a:ext>
+            </a:extLst>
+          </p:cNvPr>
+          <p:cNvPicPr>
+            <a:picLocks noChangeAspect="1"/>
+          </p:cNvPicPr>
+          <p:nvPr/>
+        </p:nvPicPr>
+        <p:blipFill>
+          <a:blip r:embed="rId3"/>
+          <a:stretch>
+            <a:fillRect/>
+          </a:stretch>
+        </p:blipFill>
+        <p:spPr>
+          <a:xfrm>
+            <a:off x="4050747" y="1555746"/>
+            <a:ext cx="4090503" cy="2410248"/>
+          </a:xfrm>
+          <a:prstGeom prst="rect">
+            <a:avLst/>
+          </a:prstGeom>
+        </p:spPr>
+      </p:pic>
+      <p:pic>
+        <p:nvPicPr>
+          <p:cNvPr id="6" name="Picture 7" descr="Graphical user interface, text, application, table&#10;&#10;Description automatically generated">
+            <a:extLst>
+              <a:ext uri="{FF2B5EF4-FFF2-40B4-BE49-F238E27FC236}">
+                <a16:creationId xmlns:a16="http://schemas.microsoft.com/office/drawing/2014/main" id="{DDAEC7D6-8643-6C08-68D4-AE6346F1D4E7}"/>
+              </a:ext>
+            </a:extLst>
+          </p:cNvPr>
+          <p:cNvPicPr>
+            <a:picLocks noChangeAspect="1"/>
+          </p:cNvPicPr>
+          <p:nvPr/>
+        </p:nvPicPr>
+        <p:blipFill>
+          <a:blip r:embed="rId4"/>
+          <a:stretch>
+            <a:fillRect/>
+          </a:stretch>
+        </p:blipFill>
+        <p:spPr>
+          <a:xfrm>
+            <a:off x="4235864" y="5450508"/>
+            <a:ext cx="3731315" cy="1213678"/>
+          </a:xfrm>
+          <a:prstGeom prst="rect">
+            <a:avLst/>
+          </a:prstGeom>
+        </p:spPr>
+      </p:pic>
+    </p:spTree>
+    <p:extLst>
+      <p:ext uri="{BB962C8B-B14F-4D97-AF65-F5344CB8AC3E}">
+        <p14:creationId xmlns:p14="http://schemas.microsoft.com/office/powerpoint/2010/main" val="2443940084"/>
+      </p:ext>
+    </p:extLst>
+  </p:cSld>
+  <p:clrMapOvr>
+    <a:masterClrMapping/>
+  </p:clrMapOvr>
+</p:sld>
+</file>
+
+<file path=ppt/slides/slide11.xml><?xml version="1.0" encoding="utf-8"?>
+<p:sld xmlns:a="http://schemas.openxmlformats.org/drawingml/2006/main" xmlns:r="http://schemas.openxmlformats.org/officeDocument/2006/relationships" xmlns:p="http://schemas.openxmlformats.org/presentationml/2006/main">
+  <p:cSld>
+    <p:spTree>
+      <p:nvGrpSpPr>
+        <p:cNvPr id="1" name=""/>
+        <p:cNvGrpSpPr/>
+        <p:nvPr/>
+      </p:nvGrpSpPr>
+      <p:grpSpPr>
+        <a:xfrm>
+          <a:off x="0" y="0"/>
+          <a:ext cx="0" cy="0"/>
+          <a:chOff x="0" y="0"/>
+          <a:chExt cx="0" cy="0"/>
+        </a:xfrm>
+      </p:grpSpPr>
+      <p:pic>
+        <p:nvPicPr>
+          <p:cNvPr id="4" name="Picture 4" descr="Background pattern&#10;&#10;Description automatically generated">
+            <a:extLst>
+              <a:ext uri="{FF2B5EF4-FFF2-40B4-BE49-F238E27FC236}">
+                <a16:creationId xmlns:a16="http://schemas.microsoft.com/office/drawing/2014/main" id="{9DDC747F-AEEE-51B4-E46F-7B7536C165CE}"/>
+              </a:ext>
+            </a:extLst>
+          </p:cNvPr>
+          <p:cNvPicPr>
+            <a:picLocks noGrp="1" noChangeAspect="1"/>
+          </p:cNvPicPr>
+          <p:nvPr>
+            <p:ph idx="1"/>
+          </p:nvPr>
+        </p:nvPicPr>
+        <p:blipFill rotWithShape="1">
+          <a:blip r:embed="rId2"/>
+          <a:srcRect t="-50" b="1610"/>
+          <a:stretch/>
+        </p:blipFill>
+        <p:spPr>
+          <a:xfrm>
+            <a:off x="-104" y="0"/>
+            <a:ext cx="12192207" cy="6861659"/>
+          </a:xfrm>
+        </p:spPr>
+      </p:pic>
+      <p:sp>
+        <p:nvSpPr>
+          <p:cNvPr id="2" name="Title 1">
+            <a:extLst>
+              <a:ext uri="{FF2B5EF4-FFF2-40B4-BE49-F238E27FC236}">
+                <a16:creationId xmlns:a16="http://schemas.microsoft.com/office/drawing/2014/main" id="{FD4CEDB4-93D7-9847-CC51-6DCBFD24989D}"/>
+              </a:ext>
+            </a:extLst>
+          </p:cNvPr>
+          <p:cNvSpPr>
+            <a:spLocks noGrp="1"/>
+          </p:cNvSpPr>
+          <p:nvPr>
+            <p:ph type="title"/>
+          </p:nvPr>
+        </p:nvSpPr>
+        <p:spPr>
+          <a:xfrm>
+            <a:off x="1092202" y="689"/>
+            <a:ext cx="9819860" cy="1347649"/>
+          </a:xfrm>
+        </p:spPr>
+        <p:txBody>
+          <a:bodyPr>
+            <a:normAutofit/>
+          </a:bodyPr>
+          <a:lstStyle/>
+          <a:p>
+            <a:pPr algn="ctr"/>
+            <a:r>
+              <a:rPr lang="en-GB" sz="3200" b="1" u="sng" dirty="0">
+                <a:solidFill>
+                  <a:srgbClr val="E0B122"/>
+                </a:solidFill>
+                <a:latin typeface="Times New Roman"/>
+                <a:ea typeface="Calibri Light" panose="020F0302020204030204"/>
+                <a:cs typeface="Calibri Light" panose="020F0302020204030204"/>
+              </a:rPr>
+              <a:t>Insight #10</a:t>
+            </a:r>
+            <a:br>
+              <a:rPr lang="en-GB" sz="3200" b="1" u="sng" dirty="0">
+                <a:solidFill>
+                  <a:srgbClr val="E0B122"/>
+                </a:solidFill>
+                <a:latin typeface="Times New Roman"/>
+                <a:ea typeface="Calibri Light" panose="020F0302020204030204"/>
+                <a:cs typeface="Calibri Light" panose="020F0302020204030204"/>
+              </a:rPr>
+            </a:br>
+            <a:r>
+              <a:rPr lang="en-GB" sz="3200" b="1" dirty="0">
+                <a:solidFill>
+                  <a:srgbClr val="E0B122"/>
+                </a:solidFill>
+                <a:latin typeface="Times New Roman"/>
+                <a:ea typeface="Calibri Light" panose="020F0302020204030204"/>
+                <a:cs typeface="Calibri Light" panose="020F0302020204030204"/>
+              </a:rPr>
+              <a:t>Gross Sales by Channel in F.Y. - 2021</a:t>
+            </a:r>
+          </a:p>
+        </p:txBody>
+      </p:sp>
+      <p:pic>
+        <p:nvPicPr>
+          <p:cNvPr id="5" name="Picture 6" descr="Chart, bar chart&#10;&#10;Description automatically generated">
+            <a:extLst>
+              <a:ext uri="{FF2B5EF4-FFF2-40B4-BE49-F238E27FC236}">
+                <a16:creationId xmlns:a16="http://schemas.microsoft.com/office/drawing/2014/main" id="{5DD1377F-DE22-57BA-FD0E-A7AE463E1C33}"/>
+              </a:ext>
+            </a:extLst>
+          </p:cNvPr>
+          <p:cNvPicPr>
+            <a:picLocks noChangeAspect="1"/>
+          </p:cNvPicPr>
+          <p:nvPr/>
+        </p:nvPicPr>
+        <p:blipFill>
+          <a:blip r:embed="rId3"/>
+          <a:stretch>
+            <a:fillRect/>
+          </a:stretch>
+        </p:blipFill>
+        <p:spPr>
+          <a:xfrm>
+            <a:off x="505791" y="2331145"/>
+            <a:ext cx="5084417" cy="2317187"/>
+          </a:xfrm>
+          <a:prstGeom prst="rect">
+            <a:avLst/>
+          </a:prstGeom>
+        </p:spPr>
+      </p:pic>
+      <p:pic>
+        <p:nvPicPr>
+          <p:cNvPr id="7" name="Picture 7" descr="Graphical user interface, table&#10;&#10;Description automatically generated">
+            <a:extLst>
+              <a:ext uri="{FF2B5EF4-FFF2-40B4-BE49-F238E27FC236}">
+                <a16:creationId xmlns:a16="http://schemas.microsoft.com/office/drawing/2014/main" id="{4E0E467C-E86C-9570-9C59-AB048608AD78}"/>
+              </a:ext>
+            </a:extLst>
+          </p:cNvPr>
+          <p:cNvPicPr>
+            <a:picLocks noChangeAspect="1"/>
+          </p:cNvPicPr>
+          <p:nvPr/>
+        </p:nvPicPr>
+        <p:blipFill>
+          <a:blip r:embed="rId4"/>
+          <a:stretch>
+            <a:fillRect/>
+          </a:stretch>
+        </p:blipFill>
+        <p:spPr>
+          <a:xfrm>
+            <a:off x="6601791" y="2334216"/>
+            <a:ext cx="5084417" cy="2311047"/>
+          </a:xfrm>
+          <a:prstGeom prst="rect">
+            <a:avLst/>
+          </a:prstGeom>
+        </p:spPr>
+      </p:pic>
+    </p:spTree>
+    <p:extLst>
+      <p:ext uri="{BB962C8B-B14F-4D97-AF65-F5344CB8AC3E}">
+        <p14:creationId xmlns:p14="http://schemas.microsoft.com/office/powerpoint/2010/main" val="2555709012"/>
+      </p:ext>
+    </p:extLst>
+  </p:cSld>
+  <p:clrMapOvr>
+    <a:masterClrMapping/>
+  </p:clrMapOvr>
+</p:sld>
+</file>
+
+<file path=ppt/slides/slide12.xml><?xml version="1.0" encoding="utf-8"?>
+<p:sld xmlns:a="http://schemas.openxmlformats.org/drawingml/2006/main" xmlns:r="http://schemas.openxmlformats.org/officeDocument/2006/relationships" xmlns:p="http://schemas.openxmlformats.org/presentationml/2006/main">
+  <p:cSld>
+    <p:spTree>
+      <p:nvGrpSpPr>
+        <p:cNvPr id="1" name=""/>
+        <p:cNvGrpSpPr/>
+        <p:nvPr/>
+      </p:nvGrpSpPr>
+      <p:grpSpPr>
+        <a:xfrm>
+          <a:off x="0" y="0"/>
+          <a:ext cx="0" cy="0"/>
+          <a:chOff x="0" y="0"/>
+          <a:chExt cx="0" cy="0"/>
+        </a:xfrm>
+      </p:grpSpPr>
+      <p:pic>
+        <p:nvPicPr>
+          <p:cNvPr id="4" name="Picture 4" descr="Background pattern&#10;&#10;Description automatically generated">
+            <a:extLst>
+              <a:ext uri="{FF2B5EF4-FFF2-40B4-BE49-F238E27FC236}">
+                <a16:creationId xmlns:a16="http://schemas.microsoft.com/office/drawing/2014/main" id="{9DDC747F-AEEE-51B4-E46F-7B7536C165CE}"/>
+              </a:ext>
+            </a:extLst>
+          </p:cNvPr>
+          <p:cNvPicPr>
+            <a:picLocks noGrp="1" noChangeAspect="1"/>
+          </p:cNvPicPr>
+          <p:nvPr>
+            <p:ph idx="1"/>
+          </p:nvPr>
+        </p:nvPicPr>
+        <p:blipFill rotWithShape="1">
+          <a:blip r:embed="rId2"/>
+          <a:srcRect t="-50" b="1610"/>
+          <a:stretch/>
+        </p:blipFill>
+        <p:spPr>
+          <a:xfrm>
+            <a:off x="-104" y="0"/>
+            <a:ext cx="12192207" cy="6861659"/>
+          </a:xfrm>
+        </p:spPr>
+      </p:pic>
+      <p:sp>
+        <p:nvSpPr>
+          <p:cNvPr id="2" name="Title 1">
+            <a:extLst>
+              <a:ext uri="{FF2B5EF4-FFF2-40B4-BE49-F238E27FC236}">
+                <a16:creationId xmlns:a16="http://schemas.microsoft.com/office/drawing/2014/main" id="{FD4CEDB4-93D7-9847-CC51-6DCBFD24989D}"/>
+              </a:ext>
+            </a:extLst>
+          </p:cNvPr>
+          <p:cNvSpPr>
+            <a:spLocks noGrp="1"/>
+          </p:cNvSpPr>
+          <p:nvPr>
+            <p:ph type="title"/>
+          </p:nvPr>
+        </p:nvSpPr>
+        <p:spPr>
+          <a:xfrm>
+            <a:off x="3853072" y="2971384"/>
+            <a:ext cx="4496904" cy="916954"/>
+          </a:xfrm>
+        </p:spPr>
+        <p:txBody>
+          <a:bodyPr>
+            <a:normAutofit/>
+          </a:bodyPr>
+          <a:lstStyle/>
+          <a:p>
+            <a:pPr algn="ctr"/>
+            <a:r>
+              <a:rPr lang="en-GB" sz="4800" b="1" dirty="0">
+                <a:solidFill>
+                  <a:srgbClr val="E0B122"/>
+                </a:solidFill>
+                <a:latin typeface="Times New Roman"/>
+                <a:ea typeface="Calibri Light" panose="020F0302020204030204"/>
+                <a:cs typeface="Calibri Light" panose="020F0302020204030204"/>
+              </a:rPr>
+              <a:t>Thank You...</a:t>
+            </a:r>
+          </a:p>
+        </p:txBody>
+      </p:sp>
+    </p:spTree>
+    <p:extLst>
+      <p:ext uri="{BB962C8B-B14F-4D97-AF65-F5344CB8AC3E}">
+        <p14:creationId xmlns:p14="http://schemas.microsoft.com/office/powerpoint/2010/main" val="1101599268"/>
+      </p:ext>
+    </p:extLst>
+  </p:cSld>
+  <p:clrMapOvr>
+    <a:masterClrMapping/>
+  </p:clrMapOvr>
+</p:sld>
+</file>
+
 <file path=ppt/slides/slide2.xml><?xml version="1.0" encoding="utf-8"?>
 <p:sld xmlns:a="http://schemas.openxmlformats.org/drawingml/2006/main" xmlns:r="http://schemas.openxmlformats.org/officeDocument/2006/relationships" xmlns:p="http://schemas.openxmlformats.org/presentationml/2006/main">
   <p:cSld>
@@ -7027,6 +7812,478 @@
     <p:extLst>
       <p:ext uri="{BB962C8B-B14F-4D97-AF65-F5344CB8AC3E}">
         <p14:creationId xmlns:p14="http://schemas.microsoft.com/office/powerpoint/2010/main" val="3462080046"/>
+      </p:ext>
+    </p:extLst>
+  </p:cSld>
+  <p:clrMapOvr>
+    <a:masterClrMapping/>
+  </p:clrMapOvr>
+</p:sld>
+</file>
+
+<file path=ppt/slides/slide8.xml><?xml version="1.0" encoding="utf-8"?>
+<p:sld xmlns:a="http://schemas.openxmlformats.org/drawingml/2006/main" xmlns:r="http://schemas.openxmlformats.org/officeDocument/2006/relationships" xmlns:p="http://schemas.openxmlformats.org/presentationml/2006/main">
+  <p:cSld>
+    <p:spTree>
+      <p:nvGrpSpPr>
+        <p:cNvPr id="1" name=""/>
+        <p:cNvGrpSpPr/>
+        <p:nvPr/>
+      </p:nvGrpSpPr>
+      <p:grpSpPr>
+        <a:xfrm>
+          <a:off x="0" y="0"/>
+          <a:ext cx="0" cy="0"/>
+          <a:chOff x="0" y="0"/>
+          <a:chExt cx="0" cy="0"/>
+        </a:xfrm>
+      </p:grpSpPr>
+      <p:pic>
+        <p:nvPicPr>
+          <p:cNvPr id="4" name="Picture 4" descr="Background pattern&#10;&#10;Description automatically generated">
+            <a:extLst>
+              <a:ext uri="{FF2B5EF4-FFF2-40B4-BE49-F238E27FC236}">
+                <a16:creationId xmlns:a16="http://schemas.microsoft.com/office/drawing/2014/main" id="{9DDC747F-AEEE-51B4-E46F-7B7536C165CE}"/>
+              </a:ext>
+            </a:extLst>
+          </p:cNvPr>
+          <p:cNvPicPr>
+            <a:picLocks noGrp="1" noChangeAspect="1"/>
+          </p:cNvPicPr>
+          <p:nvPr>
+            <p:ph idx="1"/>
+          </p:nvPr>
+        </p:nvPicPr>
+        <p:blipFill rotWithShape="1">
+          <a:blip r:embed="rId2"/>
+          <a:srcRect t="-50" b="1610"/>
+          <a:stretch/>
+        </p:blipFill>
+        <p:spPr>
+          <a:xfrm>
+            <a:off x="-104" y="0"/>
+            <a:ext cx="12192207" cy="6861659"/>
+          </a:xfrm>
+        </p:spPr>
+      </p:pic>
+      <p:sp>
+        <p:nvSpPr>
+          <p:cNvPr id="2" name="Title 1">
+            <a:extLst>
+              <a:ext uri="{FF2B5EF4-FFF2-40B4-BE49-F238E27FC236}">
+                <a16:creationId xmlns:a16="http://schemas.microsoft.com/office/drawing/2014/main" id="{FD4CEDB4-93D7-9847-CC51-6DCBFD24989D}"/>
+              </a:ext>
+            </a:extLst>
+          </p:cNvPr>
+          <p:cNvSpPr>
+            <a:spLocks noGrp="1"/>
+          </p:cNvSpPr>
+          <p:nvPr>
+            <p:ph type="title"/>
+          </p:nvPr>
+        </p:nvSpPr>
+        <p:spPr>
+          <a:xfrm>
+            <a:off x="1092202" y="689"/>
+            <a:ext cx="9819860" cy="1347649"/>
+          </a:xfrm>
+        </p:spPr>
+        <p:txBody>
+          <a:bodyPr>
+            <a:normAutofit/>
+          </a:bodyPr>
+          <a:lstStyle/>
+          <a:p>
+            <a:pPr algn="ctr"/>
+            <a:r>
+              <a:rPr lang="en-GB" sz="3200" b="1" u="sng" dirty="0">
+                <a:solidFill>
+                  <a:srgbClr val="E0B122"/>
+                </a:solidFill>
+                <a:latin typeface="Times New Roman"/>
+                <a:ea typeface="Calibri Light" panose="020F0302020204030204"/>
+                <a:cs typeface="Calibri Light" panose="020F0302020204030204"/>
+              </a:rPr>
+              <a:t>Insight #7</a:t>
+            </a:r>
+            <a:br>
+              <a:rPr lang="en-GB" sz="3200" b="1" u="sng" dirty="0">
+                <a:solidFill>
+                  <a:srgbClr val="E0B122"/>
+                </a:solidFill>
+                <a:latin typeface="Times New Roman"/>
+                <a:ea typeface="Calibri Light" panose="020F0302020204030204"/>
+                <a:cs typeface="Calibri Light" panose="020F0302020204030204"/>
+              </a:rPr>
+            </a:br>
+            <a:r>
+              <a:rPr lang="en-GB" sz="3200" b="1" dirty="0">
+                <a:solidFill>
+                  <a:srgbClr val="E0B122"/>
+                </a:solidFill>
+                <a:latin typeface="Times New Roman"/>
+                <a:ea typeface="Calibri Light" panose="020F0302020204030204"/>
+                <a:cs typeface="Calibri Light" panose="020F0302020204030204"/>
+              </a:rPr>
+              <a:t>Gross Sales to Atliq Executive by Month</a:t>
+            </a:r>
+          </a:p>
+        </p:txBody>
+      </p:sp>
+      <p:sp>
+        <p:nvSpPr>
+          <p:cNvPr id="9" name="TextBox 8">
+            <a:extLst>
+              <a:ext uri="{FF2B5EF4-FFF2-40B4-BE49-F238E27FC236}">
+                <a16:creationId xmlns:a16="http://schemas.microsoft.com/office/drawing/2014/main" id="{835A5E98-4CB6-46FB-09C5-599F5D41DC8A}"/>
+              </a:ext>
+            </a:extLst>
+          </p:cNvPr>
+          <p:cNvSpPr txBox="1"/>
+          <p:nvPr/>
+        </p:nvSpPr>
+        <p:spPr>
+          <a:xfrm>
+            <a:off x="3442472" y="1580542"/>
+            <a:ext cx="7655780" cy="923330"/>
+          </a:xfrm>
+          <a:prstGeom prst="rect">
+            <a:avLst/>
+          </a:prstGeom>
+          <a:noFill/>
+        </p:spPr>
+        <p:txBody>
+          <a:bodyPr rot="0" spcFirstLastPara="0" vertOverflow="overflow" horzOverflow="overflow" vert="horz" wrap="square" lIns="91440" tIns="45720" rIns="91440" bIns="45720" numCol="1" spcCol="0" rtlCol="0" fromWordArt="0" anchor="t" anchorCtr="0" forceAA="0" compatLnSpc="1">
+            <a:prstTxWarp prst="textNoShape">
+              <a:avLst/>
+            </a:prstTxWarp>
+            <a:spAutoFit/>
+          </a:bodyPr>
+          <a:lstStyle/>
+          <a:p>
+            <a:pPr marL="285750" indent="-285750" algn="just">
+              <a:buFont typeface="Arial"/>
+              <a:buChar char="•"/>
+            </a:pPr>
+            <a:r>
+              <a:rPr lang="en-GB" b="1" dirty="0">
+                <a:solidFill>
+                  <a:srgbClr val="E0B122"/>
+                </a:solidFill>
+                <a:cs typeface="Calibri"/>
+              </a:rPr>
+              <a:t>The Gross Sales amount for customer 'Atliq Exclusive' was highest in November '20 (₹32.25 Mn.) followed by October '20 (₹21.02 Mn.) and December '20 (₹20.41 Mn.)</a:t>
+            </a:r>
+            <a:endParaRPr lang="en-GB" b="1" dirty="0">
+              <a:solidFill>
+                <a:srgbClr val="E0B122"/>
+              </a:solidFill>
+              <a:ea typeface="Calibri"/>
+              <a:cs typeface="Calibri"/>
+            </a:endParaRPr>
+          </a:p>
+        </p:txBody>
+      </p:sp>
+      <p:pic>
+        <p:nvPicPr>
+          <p:cNvPr id="3" name="Picture 5" descr="Chart, histogram&#10;&#10;Description automatically generated">
+            <a:extLst>
+              <a:ext uri="{FF2B5EF4-FFF2-40B4-BE49-F238E27FC236}">
+                <a16:creationId xmlns:a16="http://schemas.microsoft.com/office/drawing/2014/main" id="{DAF47865-5394-E693-27F1-C194C12B8DEF}"/>
+              </a:ext>
+            </a:extLst>
+          </p:cNvPr>
+          <p:cNvPicPr>
+            <a:picLocks noChangeAspect="1"/>
+          </p:cNvPicPr>
+          <p:nvPr/>
+        </p:nvPicPr>
+        <p:blipFill>
+          <a:blip r:embed="rId3"/>
+          <a:stretch>
+            <a:fillRect/>
+          </a:stretch>
+        </p:blipFill>
+        <p:spPr>
+          <a:xfrm>
+            <a:off x="6557618" y="2926795"/>
+            <a:ext cx="4543286" cy="2837626"/>
+          </a:xfrm>
+          <a:prstGeom prst="rect">
+            <a:avLst/>
+          </a:prstGeom>
+        </p:spPr>
+      </p:pic>
+      <p:pic>
+        <p:nvPicPr>
+          <p:cNvPr id="6" name="Picture 7" descr="Table&#10;&#10;Description automatically generated">
+            <a:extLst>
+              <a:ext uri="{FF2B5EF4-FFF2-40B4-BE49-F238E27FC236}">
+                <a16:creationId xmlns:a16="http://schemas.microsoft.com/office/drawing/2014/main" id="{F04BD386-80B8-A9D1-F4EB-A131A917E845}"/>
+              </a:ext>
+            </a:extLst>
+          </p:cNvPr>
+          <p:cNvPicPr>
+            <a:picLocks noChangeAspect="1"/>
+          </p:cNvPicPr>
+          <p:nvPr/>
+        </p:nvPicPr>
+        <p:blipFill>
+          <a:blip r:embed="rId4"/>
+          <a:stretch>
+            <a:fillRect/>
+          </a:stretch>
+        </p:blipFill>
+        <p:spPr>
+          <a:xfrm>
+            <a:off x="1093195" y="1647687"/>
+            <a:ext cx="2120566" cy="4114800"/>
+          </a:xfrm>
+          <a:prstGeom prst="rect">
+            <a:avLst/>
+          </a:prstGeom>
+        </p:spPr>
+      </p:pic>
+    </p:spTree>
+    <p:extLst>
+      <p:ext uri="{BB962C8B-B14F-4D97-AF65-F5344CB8AC3E}">
+        <p14:creationId xmlns:p14="http://schemas.microsoft.com/office/powerpoint/2010/main" val="1063890088"/>
+      </p:ext>
+    </p:extLst>
+  </p:cSld>
+  <p:clrMapOvr>
+    <a:masterClrMapping/>
+  </p:clrMapOvr>
+</p:sld>
+</file>
+
+<file path=ppt/slides/slide9.xml><?xml version="1.0" encoding="utf-8"?>
+<p:sld xmlns:a="http://schemas.openxmlformats.org/drawingml/2006/main" xmlns:r="http://schemas.openxmlformats.org/officeDocument/2006/relationships" xmlns:p="http://schemas.openxmlformats.org/presentationml/2006/main">
+  <p:cSld>
+    <p:spTree>
+      <p:nvGrpSpPr>
+        <p:cNvPr id="1" name=""/>
+        <p:cNvGrpSpPr/>
+        <p:nvPr/>
+      </p:nvGrpSpPr>
+      <p:grpSpPr>
+        <a:xfrm>
+          <a:off x="0" y="0"/>
+          <a:ext cx="0" cy="0"/>
+          <a:chOff x="0" y="0"/>
+          <a:chExt cx="0" cy="0"/>
+        </a:xfrm>
+      </p:grpSpPr>
+      <p:pic>
+        <p:nvPicPr>
+          <p:cNvPr id="4" name="Picture 4" descr="Background pattern&#10;&#10;Description automatically generated">
+            <a:extLst>
+              <a:ext uri="{FF2B5EF4-FFF2-40B4-BE49-F238E27FC236}">
+                <a16:creationId xmlns:a16="http://schemas.microsoft.com/office/drawing/2014/main" id="{9DDC747F-AEEE-51B4-E46F-7B7536C165CE}"/>
+              </a:ext>
+            </a:extLst>
+          </p:cNvPr>
+          <p:cNvPicPr>
+            <a:picLocks noGrp="1" noChangeAspect="1"/>
+          </p:cNvPicPr>
+          <p:nvPr>
+            <p:ph idx="1"/>
+          </p:nvPr>
+        </p:nvPicPr>
+        <p:blipFill rotWithShape="1">
+          <a:blip r:embed="rId2"/>
+          <a:srcRect t="-50" b="1610"/>
+          <a:stretch/>
+        </p:blipFill>
+        <p:spPr>
+          <a:xfrm>
+            <a:off x="-104" y="0"/>
+            <a:ext cx="12192207" cy="6861659"/>
+          </a:xfrm>
+        </p:spPr>
+      </p:pic>
+      <p:sp>
+        <p:nvSpPr>
+          <p:cNvPr id="2" name="Title 1">
+            <a:extLst>
+              <a:ext uri="{FF2B5EF4-FFF2-40B4-BE49-F238E27FC236}">
+                <a16:creationId xmlns:a16="http://schemas.microsoft.com/office/drawing/2014/main" id="{FD4CEDB4-93D7-9847-CC51-6DCBFD24989D}"/>
+              </a:ext>
+            </a:extLst>
+          </p:cNvPr>
+          <p:cNvSpPr>
+            <a:spLocks noGrp="1"/>
+          </p:cNvSpPr>
+          <p:nvPr>
+            <p:ph type="title"/>
+          </p:nvPr>
+        </p:nvSpPr>
+        <p:spPr>
+          <a:xfrm>
+            <a:off x="1092202" y="689"/>
+            <a:ext cx="9819860" cy="1347649"/>
+          </a:xfrm>
+        </p:spPr>
+        <p:txBody>
+          <a:bodyPr>
+            <a:normAutofit/>
+          </a:bodyPr>
+          <a:lstStyle/>
+          <a:p>
+            <a:pPr algn="ctr"/>
+            <a:r>
+              <a:rPr lang="en-GB" sz="3200" b="1" u="sng" dirty="0">
+                <a:solidFill>
+                  <a:srgbClr val="E0B122"/>
+                </a:solidFill>
+                <a:latin typeface="Times New Roman"/>
+                <a:ea typeface="Calibri Light" panose="020F0302020204030204"/>
+                <a:cs typeface="Calibri Light" panose="020F0302020204030204"/>
+              </a:rPr>
+              <a:t>Insight #8</a:t>
+            </a:r>
+            <a:br>
+              <a:rPr lang="en-GB" sz="3200" b="1" u="sng" dirty="0">
+                <a:solidFill>
+                  <a:srgbClr val="E0B122"/>
+                </a:solidFill>
+                <a:latin typeface="Times New Roman"/>
+                <a:ea typeface="Calibri Light" panose="020F0302020204030204"/>
+                <a:cs typeface="Calibri Light" panose="020F0302020204030204"/>
+              </a:rPr>
+            </a:br>
+            <a:r>
+              <a:rPr lang="en-GB" sz="3200" b="1" dirty="0">
+                <a:solidFill>
+                  <a:srgbClr val="E0B122"/>
+                </a:solidFill>
+                <a:latin typeface="Times New Roman"/>
+                <a:ea typeface="Calibri Light" panose="020F0302020204030204"/>
+                <a:cs typeface="Calibri Light" panose="020F0302020204030204"/>
+              </a:rPr>
+              <a:t>Total Sold Quantity by Quarter in F.Y. - 2020</a:t>
+            </a:r>
+          </a:p>
+        </p:txBody>
+      </p:sp>
+      <p:sp>
+        <p:nvSpPr>
+          <p:cNvPr id="9" name="TextBox 8">
+            <a:extLst>
+              <a:ext uri="{FF2B5EF4-FFF2-40B4-BE49-F238E27FC236}">
+                <a16:creationId xmlns:a16="http://schemas.microsoft.com/office/drawing/2014/main" id="{835A5E98-4CB6-46FB-09C5-599F5D41DC8A}"/>
+              </a:ext>
+            </a:extLst>
+          </p:cNvPr>
+          <p:cNvSpPr txBox="1"/>
+          <p:nvPr/>
+        </p:nvSpPr>
+        <p:spPr>
+          <a:xfrm>
+            <a:off x="2172472" y="4529150"/>
+            <a:ext cx="7655780" cy="646331"/>
+          </a:xfrm>
+          <a:prstGeom prst="rect">
+            <a:avLst/>
+          </a:prstGeom>
+          <a:noFill/>
+        </p:spPr>
+        <p:txBody>
+          <a:bodyPr rot="0" spcFirstLastPara="0" vertOverflow="overflow" horzOverflow="overflow" vert="horz" wrap="square" lIns="91440" tIns="45720" rIns="91440" bIns="45720" numCol="1" spcCol="0" rtlCol="0" fromWordArt="0" anchor="t" anchorCtr="0" forceAA="0" compatLnSpc="1">
+            <a:prstTxWarp prst="textNoShape">
+              <a:avLst/>
+            </a:prstTxWarp>
+            <a:spAutoFit/>
+          </a:bodyPr>
+          <a:lstStyle/>
+          <a:p>
+            <a:pPr marL="285750" indent="-285750" algn="ctr">
+              <a:buFont typeface="Arial"/>
+              <a:buChar char="•"/>
+            </a:pPr>
+            <a:r>
+              <a:rPr lang="en-GB" b="1" dirty="0">
+                <a:solidFill>
+                  <a:srgbClr val="E0B122"/>
+                </a:solidFill>
+                <a:cs typeface="Calibri"/>
+              </a:rPr>
+              <a:t>Total Sold Quantity was highest in Q1 (7005619) and lowest in Q3 (2075087) in F.Y. - 2020</a:t>
+            </a:r>
+            <a:endParaRPr lang="en-GB" b="1" dirty="0">
+              <a:solidFill>
+                <a:srgbClr val="E0B122"/>
+              </a:solidFill>
+              <a:ea typeface="Calibri"/>
+              <a:cs typeface="Calibri"/>
+            </a:endParaRPr>
+          </a:p>
+        </p:txBody>
+      </p:sp>
+      <p:pic>
+        <p:nvPicPr>
+          <p:cNvPr id="5" name="Picture 6" descr="Chart, bar chart&#10;&#10;Description automatically generated">
+            <a:extLst>
+              <a:ext uri="{FF2B5EF4-FFF2-40B4-BE49-F238E27FC236}">
+                <a16:creationId xmlns:a16="http://schemas.microsoft.com/office/drawing/2014/main" id="{6E8D0A89-8920-113B-72FC-AB02835A12A8}"/>
+              </a:ext>
+            </a:extLst>
+          </p:cNvPr>
+          <p:cNvPicPr>
+            <a:picLocks noChangeAspect="1"/>
+          </p:cNvPicPr>
+          <p:nvPr/>
+        </p:nvPicPr>
+        <p:blipFill>
+          <a:blip r:embed="rId3"/>
+          <a:stretch>
+            <a:fillRect/>
+          </a:stretch>
+        </p:blipFill>
+        <p:spPr>
+          <a:xfrm>
+            <a:off x="2460488" y="1759600"/>
+            <a:ext cx="3516243" cy="2068797"/>
+          </a:xfrm>
+          <a:prstGeom prst="rect">
+            <a:avLst/>
+          </a:prstGeom>
+        </p:spPr>
+      </p:pic>
+      <p:pic>
+        <p:nvPicPr>
+          <p:cNvPr id="7" name="Picture 7" descr="Table&#10;&#10;Description automatically generated">
+            <a:extLst>
+              <a:ext uri="{FF2B5EF4-FFF2-40B4-BE49-F238E27FC236}">
+                <a16:creationId xmlns:a16="http://schemas.microsoft.com/office/drawing/2014/main" id="{137E6705-683C-53FA-FF32-79743F11DE5F}"/>
+              </a:ext>
+            </a:extLst>
+          </p:cNvPr>
+          <p:cNvPicPr>
+            <a:picLocks noChangeAspect="1"/>
+          </p:cNvPicPr>
+          <p:nvPr/>
+        </p:nvPicPr>
+        <p:blipFill>
+          <a:blip r:embed="rId4"/>
+          <a:stretch>
+            <a:fillRect/>
+          </a:stretch>
+        </p:blipFill>
+        <p:spPr>
+          <a:xfrm>
+            <a:off x="6061834" y="1742938"/>
+            <a:ext cx="3513895" cy="2080038"/>
+          </a:xfrm>
+          <a:prstGeom prst="rect">
+            <a:avLst/>
+          </a:prstGeom>
+        </p:spPr>
+      </p:pic>
+    </p:spTree>
+    <p:extLst>
+      <p:ext uri="{BB962C8B-B14F-4D97-AF65-F5344CB8AC3E}">
+        <p14:creationId xmlns:p14="http://schemas.microsoft.com/office/powerpoint/2010/main" val="2532941317"/>
       </p:ext>
     </p:extLst>
   </p:cSld>
